--- a/documents/Sprint 12 Presentation.pptx
+++ b/documents/Sprint 12 Presentation.pptx
@@ -141,6 +141,466 @@
 </p:cmAuthorLst>
 </file>
 
+<file path=ppt/revisionInfo.xml><?xml version="1.0" encoding="utf-8"?>
+<p1510:revInfo xmlns:a="http://schemas.openxmlformats.org/drawingml/2006/main" xmlns:r="http://schemas.openxmlformats.org/officeDocument/2006/relationships" xmlns:p1510="http://schemas.microsoft.com/office/powerpoint/2015/10/main">
+  <p1510:revLst>
+    <p1510:client id="{218FC2AB-F9AA-8E6C-B71F-FFF3F0A651B5}" v="2" dt="2023-11-21T18:38:40.160"/>
+    <p1510:client id="{2494F9DC-DEF0-C212-D592-C8BAC01B747C}" v="163" dt="2023-11-21T00:12:07.849"/>
+    <p1510:client id="{81CFED96-DDE4-5E84-C5DB-E4553E4218CF}" v="196" dt="2023-11-21T00:31:51.176"/>
+    <p1510:client id="{ED2C4E2B-41AF-416D-BFA2-19FF67847CAB}" v="1102" dt="2023-11-21T00:34:18.581"/>
+    <p1510:client id="{F4DC18A3-517E-95E1-A6A8-D40073105EE9}" v="76" dt="2023-11-21T18:53:58.527"/>
+  </p1510:revLst>
+</p1510:revInfo>
+</file>
+
+<file path=ppt/changesInfos/changesInfo1.xml><?xml version="1.0" encoding="utf-8"?>
+<pc:chgInfo xmlns:a="http://schemas.openxmlformats.org/drawingml/2006/main" xmlns:r="http://schemas.openxmlformats.org/officeDocument/2006/relationships" xmlns:ac="http://schemas.microsoft.com/office/drawing/2013/main/command" xmlns:pc="http://schemas.microsoft.com/office/powerpoint/2013/main/command">
+  <pc:docChgLst>
+    <pc:chgData name="Guest User" userId="S::urn:spo:anon#f0fb1aef8a420e05c2ecf1cb2ed7e61076cfc9fa432fa7fb852caaaff38f280b::" providerId="AD" clId="Web-{218FC2AB-F9AA-8E6C-B71F-FFF3F0A651B5}"/>
+    <pc:docChg chg="modSld">
+      <pc:chgData name="Guest User" userId="S::urn:spo:anon#f0fb1aef8a420e05c2ecf1cb2ed7e61076cfc9fa432fa7fb852caaaff38f280b::" providerId="AD" clId="Web-{218FC2AB-F9AA-8E6C-B71F-FFF3F0A651B5}" dt="2023-11-21T18:38:39.426" v="0" actId="20577"/>
+      <pc:docMkLst>
+        <pc:docMk/>
+      </pc:docMkLst>
+      <pc:sldChg chg="modSp">
+        <pc:chgData name="Guest User" userId="S::urn:spo:anon#f0fb1aef8a420e05c2ecf1cb2ed7e61076cfc9fa432fa7fb852caaaff38f280b::" providerId="AD" clId="Web-{218FC2AB-F9AA-8E6C-B71F-FFF3F0A651B5}" dt="2023-11-21T18:38:39.426" v="0" actId="20577"/>
+        <pc:sldMkLst>
+          <pc:docMk/>
+          <pc:sldMk cId="1642425379" sldId="256"/>
+        </pc:sldMkLst>
+        <pc:spChg chg="mod">
+          <ac:chgData name="Guest User" userId="S::urn:spo:anon#f0fb1aef8a420e05c2ecf1cb2ed7e61076cfc9fa432fa7fb852caaaff38f280b::" providerId="AD" clId="Web-{218FC2AB-F9AA-8E6C-B71F-FFF3F0A651B5}" dt="2023-11-21T18:38:39.426" v="0" actId="20577"/>
+          <ac:spMkLst>
+            <pc:docMk/>
+            <pc:sldMk cId="1642425379" sldId="256"/>
+            <ac:spMk id="2" creationId="{216815C6-3AD0-46E6-A74A-1967BD91AF50}"/>
+          </ac:spMkLst>
+        </pc:spChg>
+      </pc:sldChg>
+    </pc:docChg>
+  </pc:docChgLst>
+  <pc:docChgLst>
+    <pc:chgData name="Guest User" userId="S::urn:spo:anon#f0fb1aef8a420e05c2ecf1cb2ed7e61076cfc9fa432fa7fb852caaaff38f280b::" providerId="AD" clId="Web-{2494F9DC-DEF0-C212-D592-C8BAC01B747C}"/>
+    <pc:docChg chg="modSld">
+      <pc:chgData name="Guest User" userId="S::urn:spo:anon#f0fb1aef8a420e05c2ecf1cb2ed7e61076cfc9fa432fa7fb852caaaff38f280b::" providerId="AD" clId="Web-{2494F9DC-DEF0-C212-D592-C8BAC01B747C}" dt="2023-11-21T00:12:07.849" v="161" actId="20577"/>
+      <pc:docMkLst>
+        <pc:docMk/>
+      </pc:docMkLst>
+      <pc:sldChg chg="modSp">
+        <pc:chgData name="Guest User" userId="S::urn:spo:anon#f0fb1aef8a420e05c2ecf1cb2ed7e61076cfc9fa432fa7fb852caaaff38f280b::" providerId="AD" clId="Web-{2494F9DC-DEF0-C212-D592-C8BAC01B747C}" dt="2023-11-20T23:51:17.858" v="79" actId="20577"/>
+        <pc:sldMkLst>
+          <pc:docMk/>
+          <pc:sldMk cId="2634411393" sldId="293"/>
+        </pc:sldMkLst>
+        <pc:spChg chg="mod">
+          <ac:chgData name="Guest User" userId="S::urn:spo:anon#f0fb1aef8a420e05c2ecf1cb2ed7e61076cfc9fa432fa7fb852caaaff38f280b::" providerId="AD" clId="Web-{2494F9DC-DEF0-C212-D592-C8BAC01B747C}" dt="2023-11-20T23:51:10.702" v="77" actId="20577"/>
+          <ac:spMkLst>
+            <pc:docMk/>
+            <pc:sldMk cId="2634411393" sldId="293"/>
+            <ac:spMk id="3" creationId="{7D779DE4-CAEA-4617-897E-FEC9A2AC2D6A}"/>
+          </ac:spMkLst>
+        </pc:spChg>
+        <pc:spChg chg="mod">
+          <ac:chgData name="Guest User" userId="S::urn:spo:anon#f0fb1aef8a420e05c2ecf1cb2ed7e61076cfc9fa432fa7fb852caaaff38f280b::" providerId="AD" clId="Web-{2494F9DC-DEF0-C212-D592-C8BAC01B747C}" dt="2023-11-20T23:51:17.858" v="79" actId="20577"/>
+          <ac:spMkLst>
+            <pc:docMk/>
+            <pc:sldMk cId="2634411393" sldId="293"/>
+            <ac:spMk id="12" creationId="{160FC76B-FDDE-4574-85B7-495FBA6F90F4}"/>
+          </ac:spMkLst>
+        </pc:spChg>
+      </pc:sldChg>
+      <pc:sldChg chg="modSp">
+        <pc:chgData name="Guest User" userId="S::urn:spo:anon#f0fb1aef8a420e05c2ecf1cb2ed7e61076cfc9fa432fa7fb852caaaff38f280b::" providerId="AD" clId="Web-{2494F9DC-DEF0-C212-D592-C8BAC01B747C}" dt="2023-11-21T00:10:07.752" v="158" actId="20577"/>
+        <pc:sldMkLst>
+          <pc:docMk/>
+          <pc:sldMk cId="3070187534" sldId="309"/>
+        </pc:sldMkLst>
+        <pc:spChg chg="mod">
+          <ac:chgData name="Guest User" userId="S::urn:spo:anon#f0fb1aef8a420e05c2ecf1cb2ed7e61076cfc9fa432fa7fb852caaaff38f280b::" providerId="AD" clId="Web-{2494F9DC-DEF0-C212-D592-C8BAC01B747C}" dt="2023-11-20T23:52:44.298" v="87" actId="20577"/>
+          <ac:spMkLst>
+            <pc:docMk/>
+            <pc:sldMk cId="3070187534" sldId="309"/>
+            <ac:spMk id="4" creationId="{8421587F-8DFD-4A31-9931-8A346A92D87A}"/>
+          </ac:spMkLst>
+        </pc:spChg>
+        <pc:spChg chg="mod">
+          <ac:chgData name="Guest User" userId="S::urn:spo:anon#f0fb1aef8a420e05c2ecf1cb2ed7e61076cfc9fa432fa7fb852caaaff38f280b::" providerId="AD" clId="Web-{2494F9DC-DEF0-C212-D592-C8BAC01B747C}" dt="2023-11-21T00:09:24.689" v="133" actId="20577"/>
+          <ac:spMkLst>
+            <pc:docMk/>
+            <pc:sldMk cId="3070187534" sldId="309"/>
+            <ac:spMk id="8" creationId="{A8A9BF88-37A2-4295-9121-C40F6B7169EA}"/>
+          </ac:spMkLst>
+        </pc:spChg>
+        <pc:spChg chg="mod">
+          <ac:chgData name="Guest User" userId="S::urn:spo:anon#f0fb1aef8a420e05c2ecf1cb2ed7e61076cfc9fa432fa7fb852caaaff38f280b::" providerId="AD" clId="Web-{2494F9DC-DEF0-C212-D592-C8BAC01B747C}" dt="2023-11-21T00:09:11.829" v="123" actId="20577"/>
+          <ac:spMkLst>
+            <pc:docMk/>
+            <pc:sldMk cId="3070187534" sldId="309"/>
+            <ac:spMk id="10" creationId="{8183BF95-E7F3-4EE1-B00F-DD0C3874B2C5}"/>
+          </ac:spMkLst>
+        </pc:spChg>
+        <pc:spChg chg="mod">
+          <ac:chgData name="Guest User" userId="S::urn:spo:anon#f0fb1aef8a420e05c2ecf1cb2ed7e61076cfc9fa432fa7fb852caaaff38f280b::" providerId="AD" clId="Web-{2494F9DC-DEF0-C212-D592-C8BAC01B747C}" dt="2023-11-21T00:10:07.752" v="158" actId="20577"/>
+          <ac:spMkLst>
+            <pc:docMk/>
+            <pc:sldMk cId="3070187534" sldId="309"/>
+            <ac:spMk id="11" creationId="{0374AEC8-628D-47F9-86A0-CB3CACB4A8E3}"/>
+          </ac:spMkLst>
+        </pc:spChg>
+      </pc:sldChg>
+      <pc:sldChg chg="modSp">
+        <pc:chgData name="Guest User" userId="S::urn:spo:anon#f0fb1aef8a420e05c2ecf1cb2ed7e61076cfc9fa432fa7fb852caaaff38f280b::" providerId="AD" clId="Web-{2494F9DC-DEF0-C212-D592-C8BAC01B747C}" dt="2023-11-21T00:12:07.849" v="161" actId="20577"/>
+        <pc:sldMkLst>
+          <pc:docMk/>
+          <pc:sldMk cId="3751144348" sldId="310"/>
+        </pc:sldMkLst>
+        <pc:spChg chg="mod">
+          <ac:chgData name="Guest User" userId="S::urn:spo:anon#f0fb1aef8a420e05c2ecf1cb2ed7e61076cfc9fa432fa7fb852caaaff38f280b::" providerId="AD" clId="Web-{2494F9DC-DEF0-C212-D592-C8BAC01B747C}" dt="2023-11-21T00:12:07.849" v="161" actId="20577"/>
+          <ac:spMkLst>
+            <pc:docMk/>
+            <pc:sldMk cId="3751144348" sldId="310"/>
+            <ac:spMk id="3" creationId="{033634FE-ADF0-4BC3-A0A9-447EA9DD096B}"/>
+          </ac:spMkLst>
+        </pc:spChg>
+      </pc:sldChg>
+    </pc:docChg>
+  </pc:docChgLst>
+  <pc:docChgLst>
+    <pc:chgData name="Guest User" userId="S::urn:spo:anon#f0fb1aef8a420e05c2ecf1cb2ed7e61076cfc9fa432fa7fb852caaaff38f280b::" providerId="AD" clId="Web-{F4DC18A3-517E-95E1-A6A8-D40073105EE9}"/>
+    <pc:docChg chg="modSld">
+      <pc:chgData name="Guest User" userId="S::urn:spo:anon#f0fb1aef8a420e05c2ecf1cb2ed7e61076cfc9fa432fa7fb852caaaff38f280b::" providerId="AD" clId="Web-{F4DC18A3-517E-95E1-A6A8-D40073105EE9}" dt="2023-11-21T18:53:58.042" v="73" actId="20577"/>
+      <pc:docMkLst>
+        <pc:docMk/>
+      </pc:docMkLst>
+      <pc:sldChg chg="modSp">
+        <pc:chgData name="Guest User" userId="S::urn:spo:anon#f0fb1aef8a420e05c2ecf1cb2ed7e61076cfc9fa432fa7fb852caaaff38f280b::" providerId="AD" clId="Web-{F4DC18A3-517E-95E1-A6A8-D40073105EE9}" dt="2023-11-21T18:53:58.042" v="73" actId="20577"/>
+        <pc:sldMkLst>
+          <pc:docMk/>
+          <pc:sldMk cId="3070187534" sldId="309"/>
+        </pc:sldMkLst>
+        <pc:spChg chg="mod">
+          <ac:chgData name="Guest User" userId="S::urn:spo:anon#f0fb1aef8a420e05c2ecf1cb2ed7e61076cfc9fa432fa7fb852caaaff38f280b::" providerId="AD" clId="Web-{F4DC18A3-517E-95E1-A6A8-D40073105EE9}" dt="2023-11-21T18:53:30.979" v="27" actId="20577"/>
+          <ac:spMkLst>
+            <pc:docMk/>
+            <pc:sldMk cId="3070187534" sldId="309"/>
+            <ac:spMk id="8" creationId="{A8A9BF88-37A2-4295-9121-C40F6B7169EA}"/>
+          </ac:spMkLst>
+        </pc:spChg>
+        <pc:spChg chg="mod">
+          <ac:chgData name="Guest User" userId="S::urn:spo:anon#f0fb1aef8a420e05c2ecf1cb2ed7e61076cfc9fa432fa7fb852caaaff38f280b::" providerId="AD" clId="Web-{F4DC18A3-517E-95E1-A6A8-D40073105EE9}" dt="2023-11-21T18:53:58.042" v="73" actId="20577"/>
+          <ac:spMkLst>
+            <pc:docMk/>
+            <pc:sldMk cId="3070187534" sldId="309"/>
+            <ac:spMk id="11" creationId="{0374AEC8-628D-47F9-86A0-CB3CACB4A8E3}"/>
+          </ac:spMkLst>
+        </pc:spChg>
+      </pc:sldChg>
+    </pc:docChg>
+  </pc:docChgLst>
+  <pc:docChgLst>
+    <pc:chgData name="Guest User" userId="S::urn:spo:anon#f0fb1aef8a420e05c2ecf1cb2ed7e61076cfc9fa432fa7fb852caaaff38f280b::" providerId="AD" clId="Web-{81CFED96-DDE4-5E84-C5DB-E4553E4218CF}"/>
+    <pc:docChg chg="modSld">
+      <pc:chgData name="Guest User" userId="S::urn:spo:anon#f0fb1aef8a420e05c2ecf1cb2ed7e61076cfc9fa432fa7fb852caaaff38f280b::" providerId="AD" clId="Web-{81CFED96-DDE4-5E84-C5DB-E4553E4218CF}" dt="2023-11-21T00:31:51.176" v="183" actId="14100"/>
+      <pc:docMkLst>
+        <pc:docMk/>
+      </pc:docMkLst>
+      <pc:sldChg chg="modSp">
+        <pc:chgData name="Guest User" userId="S::urn:spo:anon#f0fb1aef8a420e05c2ecf1cb2ed7e61076cfc9fa432fa7fb852caaaff38f280b::" providerId="AD" clId="Web-{81CFED96-DDE4-5E84-C5DB-E4553E4218CF}" dt="2023-11-21T00:28:27.531" v="114" actId="20577"/>
+        <pc:sldMkLst>
+          <pc:docMk/>
+          <pc:sldMk cId="2634411393" sldId="293"/>
+        </pc:sldMkLst>
+        <pc:spChg chg="mod">
+          <ac:chgData name="Guest User" userId="S::urn:spo:anon#f0fb1aef8a420e05c2ecf1cb2ed7e61076cfc9fa432fa7fb852caaaff38f280b::" providerId="AD" clId="Web-{81CFED96-DDE4-5E84-C5DB-E4553E4218CF}" dt="2023-11-21T00:27:54.952" v="105" actId="20577"/>
+          <ac:spMkLst>
+            <pc:docMk/>
+            <pc:sldMk cId="2634411393" sldId="293"/>
+            <ac:spMk id="10" creationId="{B6091E26-6697-4FFA-91DC-FF5001DDE6A0}"/>
+          </ac:spMkLst>
+        </pc:spChg>
+        <pc:spChg chg="mod">
+          <ac:chgData name="Guest User" userId="S::urn:spo:anon#f0fb1aef8a420e05c2ecf1cb2ed7e61076cfc9fa432fa7fb852caaaff38f280b::" providerId="AD" clId="Web-{81CFED96-DDE4-5E84-C5DB-E4553E4218CF}" dt="2023-11-21T00:28:14.781" v="112" actId="20577"/>
+          <ac:spMkLst>
+            <pc:docMk/>
+            <pc:sldMk cId="2634411393" sldId="293"/>
+            <ac:spMk id="13" creationId="{8BF88255-7F56-4B30-96C2-60927A377B40}"/>
+          </ac:spMkLst>
+        </pc:spChg>
+        <pc:spChg chg="mod">
+          <ac:chgData name="Guest User" userId="S::urn:spo:anon#f0fb1aef8a420e05c2ecf1cb2ed7e61076cfc9fa432fa7fb852caaaff38f280b::" providerId="AD" clId="Web-{81CFED96-DDE4-5E84-C5DB-E4553E4218CF}" dt="2023-11-21T00:17:49.155" v="46" actId="20577"/>
+          <ac:spMkLst>
+            <pc:docMk/>
+            <pc:sldMk cId="2634411393" sldId="293"/>
+            <ac:spMk id="15" creationId="{95C519DA-06A3-4391-AAF4-8C7122770C3E}"/>
+          </ac:spMkLst>
+        </pc:spChg>
+        <pc:spChg chg="mod">
+          <ac:chgData name="Guest User" userId="S::urn:spo:anon#f0fb1aef8a420e05c2ecf1cb2ed7e61076cfc9fa432fa7fb852caaaff38f280b::" providerId="AD" clId="Web-{81CFED96-DDE4-5E84-C5DB-E4553E4218CF}" dt="2023-11-21T00:28:27.531" v="114" actId="20577"/>
+          <ac:spMkLst>
+            <pc:docMk/>
+            <pc:sldMk cId="2634411393" sldId="293"/>
+            <ac:spMk id="16" creationId="{4A05B1DF-9A99-47CA-BA3D-7881266BCC5D}"/>
+          </ac:spMkLst>
+        </pc:spChg>
+        <pc:spChg chg="mod">
+          <ac:chgData name="Guest User" userId="S::urn:spo:anon#f0fb1aef8a420e05c2ecf1cb2ed7e61076cfc9fa432fa7fb852caaaff38f280b::" providerId="AD" clId="Web-{81CFED96-DDE4-5E84-C5DB-E4553E4218CF}" dt="2023-11-21T00:27:45.296" v="96" actId="20577"/>
+          <ac:spMkLst>
+            <pc:docMk/>
+            <pc:sldMk cId="2634411393" sldId="293"/>
+            <ac:spMk id="17" creationId="{8B1A13A6-E2A0-4091-A4B3-A50F0962D128}"/>
+          </ac:spMkLst>
+        </pc:spChg>
+      </pc:sldChg>
+      <pc:sldChg chg="modSp">
+        <pc:chgData name="Guest User" userId="S::urn:spo:anon#f0fb1aef8a420e05c2ecf1cb2ed7e61076cfc9fa432fa7fb852caaaff38f280b::" providerId="AD" clId="Web-{81CFED96-DDE4-5E84-C5DB-E4553E4218CF}" dt="2023-11-21T00:31:51.176" v="183" actId="14100"/>
+        <pc:sldMkLst>
+          <pc:docMk/>
+          <pc:sldMk cId="3070187534" sldId="309"/>
+        </pc:sldMkLst>
+        <pc:spChg chg="mod">
+          <ac:chgData name="Guest User" userId="S::urn:spo:anon#f0fb1aef8a420e05c2ecf1cb2ed7e61076cfc9fa432fa7fb852caaaff38f280b::" providerId="AD" clId="Web-{81CFED96-DDE4-5E84-C5DB-E4553E4218CF}" dt="2023-11-21T00:29:58.799" v="122" actId="20577"/>
+          <ac:spMkLst>
+            <pc:docMk/>
+            <pc:sldMk cId="3070187534" sldId="309"/>
+            <ac:spMk id="13" creationId="{F10B5059-BFFF-4CC7-8E57-9456D9CD008B}"/>
+          </ac:spMkLst>
+        </pc:spChg>
+        <pc:spChg chg="mod">
+          <ac:chgData name="Guest User" userId="S::urn:spo:anon#f0fb1aef8a420e05c2ecf1cb2ed7e61076cfc9fa432fa7fb852caaaff38f280b::" providerId="AD" clId="Web-{81CFED96-DDE4-5E84-C5DB-E4553E4218CF}" dt="2023-11-21T00:31:51.176" v="183" actId="14100"/>
+          <ac:spMkLst>
+            <pc:docMk/>
+            <pc:sldMk cId="3070187534" sldId="309"/>
+            <ac:spMk id="14" creationId="{413C481E-7E52-4079-A038-14B612438D1B}"/>
+          </ac:spMkLst>
+        </pc:spChg>
+        <pc:spChg chg="mod">
+          <ac:chgData name="Guest User" userId="S::urn:spo:anon#f0fb1aef8a420e05c2ecf1cb2ed7e61076cfc9fa432fa7fb852caaaff38f280b::" providerId="AD" clId="Web-{81CFED96-DDE4-5E84-C5DB-E4553E4218CF}" dt="2023-11-21T00:30:25.534" v="176" actId="20577"/>
+          <ac:spMkLst>
+            <pc:docMk/>
+            <pc:sldMk cId="3070187534" sldId="309"/>
+            <ac:spMk id="15" creationId="{83D922AF-D51F-457C-A9BE-B8F0999CF0F6}"/>
+          </ac:spMkLst>
+        </pc:spChg>
+      </pc:sldChg>
+    </pc:docChg>
+  </pc:docChgLst>
+  <pc:docChgLst>
+    <pc:chgData name="Her, Kennen Y" userId="5546404b-f77e-42b2-ad02-154d1f5df6bd" providerId="ADAL" clId="{ED2C4E2B-41AF-416D-BFA2-19FF67847CAB}"/>
+    <pc:docChg chg="custSel modSld">
+      <pc:chgData name="Her, Kennen Y" userId="5546404b-f77e-42b2-ad02-154d1f5df6bd" providerId="ADAL" clId="{ED2C4E2B-41AF-416D-BFA2-19FF67847CAB}" dt="2023-11-21T00:34:18.581" v="1099" actId="478"/>
+      <pc:docMkLst>
+        <pc:docMk/>
+      </pc:docMkLst>
+      <pc:sldChg chg="delSp modSp mod">
+        <pc:chgData name="Her, Kennen Y" userId="5546404b-f77e-42b2-ad02-154d1f5df6bd" providerId="ADAL" clId="{ED2C4E2B-41AF-416D-BFA2-19FF67847CAB}" dt="2023-11-21T00:34:18.581" v="1099" actId="478"/>
+        <pc:sldMkLst>
+          <pc:docMk/>
+          <pc:sldMk cId="2634411393" sldId="293"/>
+        </pc:sldMkLst>
+        <pc:spChg chg="mod">
+          <ac:chgData name="Her, Kennen Y" userId="5546404b-f77e-42b2-ad02-154d1f5df6bd" providerId="ADAL" clId="{ED2C4E2B-41AF-416D-BFA2-19FF67847CAB}" dt="2023-11-21T00:27:08.647" v="521" actId="20577"/>
+          <ac:spMkLst>
+            <pc:docMk/>
+            <pc:sldMk cId="2634411393" sldId="293"/>
+            <ac:spMk id="3" creationId="{7D779DE4-CAEA-4617-897E-FEC9A2AC2D6A}"/>
+          </ac:spMkLst>
+        </pc:spChg>
+        <pc:spChg chg="mod">
+          <ac:chgData name="Her, Kennen Y" userId="5546404b-f77e-42b2-ad02-154d1f5df6bd" providerId="ADAL" clId="{ED2C4E2B-41AF-416D-BFA2-19FF67847CAB}" dt="2023-11-21T00:25:58.472" v="354" actId="20577"/>
+          <ac:spMkLst>
+            <pc:docMk/>
+            <pc:sldMk cId="2634411393" sldId="293"/>
+            <ac:spMk id="10" creationId="{B6091E26-6697-4FFA-91DC-FF5001DDE6A0}"/>
+          </ac:spMkLst>
+        </pc:spChg>
+        <pc:spChg chg="mod">
+          <ac:chgData name="Her, Kennen Y" userId="5546404b-f77e-42b2-ad02-154d1f5df6bd" providerId="ADAL" clId="{ED2C4E2B-41AF-416D-BFA2-19FF67847CAB}" dt="2023-11-21T00:27:35.049" v="643" actId="20577"/>
+          <ac:spMkLst>
+            <pc:docMk/>
+            <pc:sldMk cId="2634411393" sldId="293"/>
+            <ac:spMk id="12" creationId="{160FC76B-FDDE-4574-85B7-495FBA6F90F4}"/>
+          </ac:spMkLst>
+        </pc:spChg>
+        <pc:spChg chg="mod">
+          <ac:chgData name="Her, Kennen Y" userId="5546404b-f77e-42b2-ad02-154d1f5df6bd" providerId="ADAL" clId="{ED2C4E2B-41AF-416D-BFA2-19FF67847CAB}" dt="2023-11-21T00:26:42.916" v="485" actId="20577"/>
+          <ac:spMkLst>
+            <pc:docMk/>
+            <pc:sldMk cId="2634411393" sldId="293"/>
+            <ac:spMk id="13" creationId="{8BF88255-7F56-4B30-96C2-60927A377B40}"/>
+          </ac:spMkLst>
+        </pc:spChg>
+        <pc:spChg chg="mod">
+          <ac:chgData name="Her, Kennen Y" userId="5546404b-f77e-42b2-ad02-154d1f5df6bd" providerId="ADAL" clId="{ED2C4E2B-41AF-416D-BFA2-19FF67847CAB}" dt="2023-11-21T00:22:05.638" v="24" actId="20577"/>
+          <ac:spMkLst>
+            <pc:docMk/>
+            <pc:sldMk cId="2634411393" sldId="293"/>
+            <ac:spMk id="14" creationId="{D32255BC-C6D7-45F4-AA99-1EBC2D1ABC4D}"/>
+          </ac:spMkLst>
+        </pc:spChg>
+        <pc:spChg chg="mod">
+          <ac:chgData name="Her, Kennen Y" userId="5546404b-f77e-42b2-ad02-154d1f5df6bd" providerId="ADAL" clId="{ED2C4E2B-41AF-416D-BFA2-19FF67847CAB}" dt="2023-11-21T00:27:54.672" v="663" actId="20577"/>
+          <ac:spMkLst>
+            <pc:docMk/>
+            <pc:sldMk cId="2634411393" sldId="293"/>
+            <ac:spMk id="16" creationId="{4A05B1DF-9A99-47CA-BA3D-7881266BCC5D}"/>
+          </ac:spMkLst>
+        </pc:spChg>
+        <pc:spChg chg="del">
+          <ac:chgData name="Her, Kennen Y" userId="5546404b-f77e-42b2-ad02-154d1f5df6bd" providerId="ADAL" clId="{ED2C4E2B-41AF-416D-BFA2-19FF67847CAB}" dt="2023-11-21T00:34:08.692" v="1096" actId="478"/>
+          <ac:spMkLst>
+            <pc:docMk/>
+            <pc:sldMk cId="2634411393" sldId="293"/>
+            <ac:spMk id="44" creationId="{61DE0949-C611-4117-B02A-4967EA7F75CB}"/>
+          </ac:spMkLst>
+        </pc:spChg>
+        <pc:spChg chg="del mod">
+          <ac:chgData name="Her, Kennen Y" userId="5546404b-f77e-42b2-ad02-154d1f5df6bd" providerId="ADAL" clId="{ED2C4E2B-41AF-416D-BFA2-19FF67847CAB}" dt="2023-11-21T00:34:15.175" v="1098" actId="478"/>
+          <ac:spMkLst>
+            <pc:docMk/>
+            <pc:sldMk cId="2634411393" sldId="293"/>
+            <ac:spMk id="45" creationId="{6F1B995D-1532-48CE-A2C5-425EE1771DD6}"/>
+          </ac:spMkLst>
+        </pc:spChg>
+        <pc:spChg chg="del">
+          <ac:chgData name="Her, Kennen Y" userId="5546404b-f77e-42b2-ad02-154d1f5df6bd" providerId="ADAL" clId="{ED2C4E2B-41AF-416D-BFA2-19FF67847CAB}" dt="2023-11-21T00:34:18.581" v="1099" actId="478"/>
+          <ac:spMkLst>
+            <pc:docMk/>
+            <pc:sldMk cId="2634411393" sldId="293"/>
+            <ac:spMk id="46" creationId="{B057FC65-DE77-429F-8B3E-E77AD3578B92}"/>
+          </ac:spMkLst>
+        </pc:spChg>
+      </pc:sldChg>
+      <pc:sldChg chg="delSp modSp mod">
+        <pc:chgData name="Her, Kennen Y" userId="5546404b-f77e-42b2-ad02-154d1f5df6bd" providerId="ADAL" clId="{ED2C4E2B-41AF-416D-BFA2-19FF67847CAB}" dt="2023-11-21T00:33:55.765" v="1091" actId="478"/>
+        <pc:sldMkLst>
+          <pc:docMk/>
+          <pc:sldMk cId="3070187534" sldId="309"/>
+        </pc:sldMkLst>
+        <pc:spChg chg="del mod">
+          <ac:chgData name="Her, Kennen Y" userId="5546404b-f77e-42b2-ad02-154d1f5df6bd" providerId="ADAL" clId="{ED2C4E2B-41AF-416D-BFA2-19FF67847CAB}" dt="2023-11-21T00:33:48.818" v="1088" actId="478"/>
+          <ac:spMkLst>
+            <pc:docMk/>
+            <pc:sldMk cId="3070187534" sldId="309"/>
+            <ac:spMk id="3" creationId="{7A6B1F78-3AFD-4744-92CF-5884B6690308}"/>
+          </ac:spMkLst>
+        </pc:spChg>
+        <pc:spChg chg="mod">
+          <ac:chgData name="Her, Kennen Y" userId="5546404b-f77e-42b2-ad02-154d1f5df6bd" providerId="ADAL" clId="{ED2C4E2B-41AF-416D-BFA2-19FF67847CAB}" dt="2023-11-21T00:32:17.237" v="949" actId="255"/>
+          <ac:spMkLst>
+            <pc:docMk/>
+            <pc:sldMk cId="3070187534" sldId="309"/>
+            <ac:spMk id="4" creationId="{8421587F-8DFD-4A31-9931-8A346A92D87A}"/>
+          </ac:spMkLst>
+        </pc:spChg>
+        <pc:spChg chg="del mod">
+          <ac:chgData name="Her, Kennen Y" userId="5546404b-f77e-42b2-ad02-154d1f5df6bd" providerId="ADAL" clId="{ED2C4E2B-41AF-416D-BFA2-19FF67847CAB}" dt="2023-11-21T00:33:51.930" v="1090" actId="478"/>
+          <ac:spMkLst>
+            <pc:docMk/>
+            <pc:sldMk cId="3070187534" sldId="309"/>
+            <ac:spMk id="5" creationId="{43E6FD26-9BAD-4332-95C3-999491DA2919}"/>
+          </ac:spMkLst>
+        </pc:spChg>
+        <pc:spChg chg="del">
+          <ac:chgData name="Her, Kennen Y" userId="5546404b-f77e-42b2-ad02-154d1f5df6bd" providerId="ADAL" clId="{ED2C4E2B-41AF-416D-BFA2-19FF67847CAB}" dt="2023-11-21T00:33:55.765" v="1091" actId="478"/>
+          <ac:spMkLst>
+            <pc:docMk/>
+            <pc:sldMk cId="3070187534" sldId="309"/>
+            <ac:spMk id="6" creationId="{BD6091DD-F2E6-43D6-BD3D-FDB5B294D982}"/>
+          </ac:spMkLst>
+        </pc:spChg>
+        <pc:spChg chg="mod">
+          <ac:chgData name="Her, Kennen Y" userId="5546404b-f77e-42b2-ad02-154d1f5df6bd" providerId="ADAL" clId="{ED2C4E2B-41AF-416D-BFA2-19FF67847CAB}" dt="2023-11-21T00:32:22.386" v="950" actId="255"/>
+          <ac:spMkLst>
+            <pc:docMk/>
+            <pc:sldMk cId="3070187534" sldId="309"/>
+            <ac:spMk id="8" creationId="{A8A9BF88-37A2-4295-9121-C40F6B7169EA}"/>
+          </ac:spMkLst>
+        </pc:spChg>
+        <pc:spChg chg="mod">
+          <ac:chgData name="Her, Kennen Y" userId="5546404b-f77e-42b2-ad02-154d1f5df6bd" providerId="ADAL" clId="{ED2C4E2B-41AF-416D-BFA2-19FF67847CAB}" dt="2023-11-21T00:29:00.729" v="865" actId="255"/>
+          <ac:spMkLst>
+            <pc:docMk/>
+            <pc:sldMk cId="3070187534" sldId="309"/>
+            <ac:spMk id="10" creationId="{8183BF95-E7F3-4EE1-B00F-DD0C3874B2C5}"/>
+          </ac:spMkLst>
+        </pc:spChg>
+        <pc:spChg chg="mod">
+          <ac:chgData name="Her, Kennen Y" userId="5546404b-f77e-42b2-ad02-154d1f5df6bd" providerId="ADAL" clId="{ED2C4E2B-41AF-416D-BFA2-19FF67847CAB}" dt="2023-11-21T00:28:54.005" v="864" actId="255"/>
+          <ac:spMkLst>
+            <pc:docMk/>
+            <pc:sldMk cId="3070187534" sldId="309"/>
+            <ac:spMk id="11" creationId="{0374AEC8-628D-47F9-86A0-CB3CACB4A8E3}"/>
+          </ac:spMkLst>
+        </pc:spChg>
+        <pc:spChg chg="mod">
+          <ac:chgData name="Her, Kennen Y" userId="5546404b-f77e-42b2-ad02-154d1f5df6bd" providerId="ADAL" clId="{ED2C4E2B-41AF-416D-BFA2-19FF67847CAB}" dt="2023-11-21T00:32:12.506" v="948" actId="255"/>
+          <ac:spMkLst>
+            <pc:docMk/>
+            <pc:sldMk cId="3070187534" sldId="309"/>
+            <ac:spMk id="12" creationId="{CE35F392-E7EE-41F8-98DE-C44067B45776}"/>
+          </ac:spMkLst>
+        </pc:spChg>
+        <pc:spChg chg="mod">
+          <ac:chgData name="Her, Kennen Y" userId="5546404b-f77e-42b2-ad02-154d1f5df6bd" providerId="ADAL" clId="{ED2C4E2B-41AF-416D-BFA2-19FF67847CAB}" dt="2023-11-21T00:33:02.315" v="972" actId="20577"/>
+          <ac:spMkLst>
+            <pc:docMk/>
+            <pc:sldMk cId="3070187534" sldId="309"/>
+            <ac:spMk id="13" creationId="{F10B5059-BFFF-4CC7-8E57-9456D9CD008B}"/>
+          </ac:spMkLst>
+        </pc:spChg>
+        <pc:spChg chg="mod">
+          <ac:chgData name="Her, Kennen Y" userId="5546404b-f77e-42b2-ad02-154d1f5df6bd" providerId="ADAL" clId="{ED2C4E2B-41AF-416D-BFA2-19FF67847CAB}" dt="2023-11-21T00:33:30.804" v="1083" actId="20577"/>
+          <ac:spMkLst>
+            <pc:docMk/>
+            <pc:sldMk cId="3070187534" sldId="309"/>
+            <ac:spMk id="14" creationId="{413C481E-7E52-4079-A038-14B612438D1B}"/>
+          </ac:spMkLst>
+        </pc:spChg>
+        <pc:spChg chg="mod">
+          <ac:chgData name="Her, Kennen Y" userId="5546404b-f77e-42b2-ad02-154d1f5df6bd" providerId="ADAL" clId="{ED2C4E2B-41AF-416D-BFA2-19FF67847CAB}" dt="2023-11-21T00:33:24.268" v="1082" actId="20577"/>
+          <ac:spMkLst>
+            <pc:docMk/>
+            <pc:sldMk cId="3070187534" sldId="309"/>
+            <ac:spMk id="15" creationId="{83D922AF-D51F-457C-A9BE-B8F0999CF0F6}"/>
+          </ac:spMkLst>
+        </pc:spChg>
+      </pc:sldChg>
+      <pc:sldChg chg="delSp modSp mod">
+        <pc:chgData name="Her, Kennen Y" userId="5546404b-f77e-42b2-ad02-154d1f5df6bd" providerId="ADAL" clId="{ED2C4E2B-41AF-416D-BFA2-19FF67847CAB}" dt="2023-11-21T00:34:04.069" v="1095" actId="478"/>
+        <pc:sldMkLst>
+          <pc:docMk/>
+          <pc:sldMk cId="3751144348" sldId="310"/>
+        </pc:sldMkLst>
+        <pc:spChg chg="del">
+          <ac:chgData name="Her, Kennen Y" userId="5546404b-f77e-42b2-ad02-154d1f5df6bd" providerId="ADAL" clId="{ED2C4E2B-41AF-416D-BFA2-19FF67847CAB}" dt="2023-11-21T00:33:58.638" v="1092" actId="478"/>
+          <ac:spMkLst>
+            <pc:docMk/>
+            <pc:sldMk cId="3751144348" sldId="310"/>
+            <ac:spMk id="7" creationId="{69D8B6D9-B727-44AB-9039-91773DFE2E18}"/>
+          </ac:spMkLst>
+        </pc:spChg>
+        <pc:spChg chg="del">
+          <ac:chgData name="Her, Kennen Y" userId="5546404b-f77e-42b2-ad02-154d1f5df6bd" providerId="ADAL" clId="{ED2C4E2B-41AF-416D-BFA2-19FF67847CAB}" dt="2023-11-21T00:34:00.259" v="1093" actId="478"/>
+          <ac:spMkLst>
+            <pc:docMk/>
+            <pc:sldMk cId="3751144348" sldId="310"/>
+            <ac:spMk id="8" creationId="{A3952661-D636-4FDB-9C08-C984DD2246D6}"/>
+          </ac:spMkLst>
+        </pc:spChg>
+        <pc:spChg chg="del mod">
+          <ac:chgData name="Her, Kennen Y" userId="5546404b-f77e-42b2-ad02-154d1f5df6bd" providerId="ADAL" clId="{ED2C4E2B-41AF-416D-BFA2-19FF67847CAB}" dt="2023-11-21T00:34:04.069" v="1095" actId="478"/>
+          <ac:spMkLst>
+            <pc:docMk/>
+            <pc:sldMk cId="3751144348" sldId="310"/>
+            <ac:spMk id="9" creationId="{B6A43E77-83FF-4D98-9F98-E567BE6C70D4}"/>
+          </ac:spMkLst>
+        </pc:spChg>
+      </pc:sldChg>
+    </pc:docChg>
+  </pc:docChgLst>
+</pc:chgInfo>
+</file>
+
 <file path=ppt/handoutMasters/handoutMaster1.xml><?xml version="1.0" encoding="utf-8"?>
 <p:handoutMaster xmlns:a="http://schemas.openxmlformats.org/drawingml/2006/main" xmlns:r="http://schemas.openxmlformats.org/officeDocument/2006/relationships" xmlns:p="http://schemas.openxmlformats.org/presentationml/2006/main">
   <p:cSld>
@@ -196,7 +656,7 @@
             </a:lvl1pPr>
           </a:lstStyle>
           <a:p>
-            <a:endParaRPr lang="en-US" dirty="0"/>
+            <a:endParaRPr lang="en-US"/>
           </a:p>
         </p:txBody>
       </p:sp>
@@ -235,9 +695,9 @@
           <a:p>
             <a:fld id="{52818EB1-FF96-47AA-9A30-F1BFF2FFD1F7}" type="datetimeFigureOut">
               <a:rPr lang="en-US" smtClean="0"/>
-              <a:t>11/17/2023</a:t>
+              <a:t>11/21/2023</a:t>
             </a:fld>
-            <a:endParaRPr lang="en-US" dirty="0"/>
+            <a:endParaRPr lang="en-US"/>
           </a:p>
         </p:txBody>
       </p:sp>
@@ -274,7 +734,7 @@
             </a:lvl1pPr>
           </a:lstStyle>
           <a:p>
-            <a:endParaRPr lang="en-US" dirty="0"/>
+            <a:endParaRPr lang="en-US"/>
           </a:p>
         </p:txBody>
       </p:sp>
@@ -315,7 +775,7 @@
               <a:rPr lang="en-US" smtClean="0"/>
               <a:t>‹#›</a:t>
             </a:fld>
-            <a:endParaRPr lang="en-US" dirty="0"/>
+            <a:endParaRPr lang="en-US"/>
           </a:p>
         </p:txBody>
       </p:sp>
@@ -379,7 +839,7 @@
             </a:lvl1pPr>
           </a:lstStyle>
           <a:p>
-            <a:endParaRPr lang="en-US" dirty="0"/>
+            <a:endParaRPr lang="en-US"/>
           </a:p>
         </p:txBody>
       </p:sp>
@@ -412,9 +872,9 @@
           <a:p>
             <a:fld id="{97E4A361-7934-4769-9B16-8A939698742C}" type="datetimeFigureOut">
               <a:rPr lang="en-US" smtClean="0"/>
-              <a:t>11/17/2023</a:t>
+              <a:t>11/21/2023</a:t>
             </a:fld>
-            <a:endParaRPr lang="en-US" dirty="0"/>
+            <a:endParaRPr lang="en-US"/>
           </a:p>
         </p:txBody>
       </p:sp>
@@ -447,7 +907,7 @@
           <a:bodyPr vert="horz" lIns="91440" tIns="45720" rIns="91440" bIns="45720" rtlCol="0" anchor="ctr"/>
           <a:lstStyle/>
           <a:p>
-            <a:endParaRPr lang="en-US" dirty="0"/>
+            <a:endParaRPr lang="en-US"/>
           </a:p>
         </p:txBody>
       </p:sp>
@@ -537,7 +997,7 @@
             </a:lvl1pPr>
           </a:lstStyle>
           <a:p>
-            <a:endParaRPr lang="en-US" dirty="0"/>
+            <a:endParaRPr lang="en-US"/>
           </a:p>
         </p:txBody>
       </p:sp>
@@ -572,7 +1032,7 @@
               <a:rPr lang="en-US" smtClean="0"/>
               <a:t>‹#›</a:t>
             </a:fld>
-            <a:endParaRPr lang="en-US" dirty="0"/>
+            <a:endParaRPr lang="en-US"/>
           </a:p>
         </p:txBody>
       </p:sp>
@@ -729,7 +1189,6 @@
               <a:rPr lang="en-US"/>
               <a:t>Click icon to add picture</a:t>
             </a:r>
-            <a:endParaRPr lang="en-US" dirty="0"/>
           </a:p>
         </p:txBody>
       </p:sp>
@@ -776,7 +1235,6 @@
               <a:rPr lang="en-US"/>
               <a:t>Click to edit Master title style</a:t>
             </a:r>
-            <a:endParaRPr lang="en-US" dirty="0"/>
           </a:p>
         </p:txBody>
       </p:sp>
@@ -849,7 +1307,6 @@
               <a:rPr lang="en-US"/>
               <a:t>Click to edit Master subtitle style</a:t>
             </a:r>
-            <a:endParaRPr lang="en-US" dirty="0"/>
           </a:p>
         </p:txBody>
       </p:sp>
@@ -875,7 +1332,7 @@
           <a:lstStyle/>
           <a:p>
             <a:r>
-              <a:rPr lang="en-US" dirty="0"/>
+              <a:rPr lang="en-US"/>
               <a:t>20XX</a:t>
             </a:r>
           </a:p>
@@ -903,7 +1360,7 @@
           <a:lstStyle/>
           <a:p>
             <a:r>
-              <a:rPr lang="en-US" dirty="0"/>
+              <a:rPr lang="en-US"/>
               <a:t>Pitch deck title</a:t>
             </a:r>
           </a:p>
@@ -934,7 +1391,7 @@
               <a:rPr lang="en-US" smtClean="0"/>
               <a:t>‹#›</a:t>
             </a:fld>
-            <a:endParaRPr lang="en-US" dirty="0"/>
+            <a:endParaRPr lang="en-US"/>
           </a:p>
         </p:txBody>
       </p:sp>
@@ -1004,7 +1461,6 @@
               <a:rPr lang="en-US"/>
               <a:t>Click to edit Master title style</a:t>
             </a:r>
-            <a:endParaRPr lang="en-US" dirty="0"/>
           </a:p>
         </p:txBody>
       </p:sp>
@@ -1046,7 +1502,7 @@
           </a:lstStyle>
           <a:p>
             <a:r>
-              <a:rPr lang="en-US" dirty="0"/>
+              <a:rPr lang="en-US"/>
               <a:t>Click to add picture</a:t>
             </a:r>
           </a:p>
@@ -1103,7 +1559,7 @@
           <a:p>
             <a:pPr lvl="0"/>
             <a:r>
-              <a:rPr lang="en-US" dirty="0"/>
+              <a:rPr lang="en-US"/>
               <a:t>Subtitle</a:t>
             </a:r>
           </a:p>
@@ -1149,7 +1605,7 @@
           <a:p>
             <a:pPr lvl="0"/>
             <a:r>
-              <a:rPr lang="en-US" dirty="0"/>
+              <a:rPr lang="en-US"/>
               <a:t>Click to add text</a:t>
             </a:r>
           </a:p>
@@ -1185,7 +1641,7 @@
           </a:lstStyle>
           <a:p>
             <a:r>
-              <a:rPr lang="en-US" dirty="0"/>
+              <a:rPr lang="en-US"/>
               <a:t>20XX</a:t>
             </a:r>
           </a:p>
@@ -1242,7 +1698,7 @@
           <a:p>
             <a:pPr lvl="0"/>
             <a:r>
-              <a:rPr lang="en-US" dirty="0"/>
+              <a:rPr lang="en-US"/>
               <a:t>Subtitle</a:t>
             </a:r>
           </a:p>
@@ -1288,7 +1744,7 @@
           <a:p>
             <a:pPr lvl="0"/>
             <a:r>
-              <a:rPr lang="en-US" dirty="0"/>
+              <a:rPr lang="en-US"/>
               <a:t>Click to add text</a:t>
             </a:r>
           </a:p>
@@ -1324,7 +1780,7 @@
           </a:lstStyle>
           <a:p>
             <a:r>
-              <a:rPr lang="en-US" dirty="0"/>
+              <a:rPr lang="en-US"/>
               <a:t>Pitch deck title</a:t>
             </a:r>
           </a:p>
@@ -1381,7 +1837,7 @@
           <a:p>
             <a:pPr lvl="0"/>
             <a:r>
-              <a:rPr lang="en-US" dirty="0"/>
+              <a:rPr lang="en-US"/>
               <a:t>Subtitle</a:t>
             </a:r>
           </a:p>
@@ -1427,7 +1883,7 @@
           <a:p>
             <a:pPr lvl="0"/>
             <a:r>
-              <a:rPr lang="en-US" dirty="0"/>
+              <a:rPr lang="en-US"/>
               <a:t>Click to add text</a:t>
             </a:r>
           </a:p>
@@ -1467,7 +1923,7 @@
               <a:pPr/>
               <a:t>‹#›</a:t>
             </a:fld>
-            <a:endParaRPr lang="en-US" dirty="0"/>
+            <a:endParaRPr lang="en-US"/>
           </a:p>
         </p:txBody>
       </p:sp>
@@ -1572,7 +2028,7 @@
           <a:p>
             <a:pPr lvl="0"/>
             <a:r>
-              <a:rPr lang="en-US" dirty="0"/>
+              <a:rPr lang="en-US"/>
               <a:t>1</a:t>
             </a:r>
           </a:p>
@@ -1649,10 +2105,10 @@
           <a:p>
             <a:pPr lvl="0"/>
             <a:r>
-              <a:rPr lang="en-US" dirty="0"/>
+              <a:rPr lang="en-US"/>
               <a:t>2</a:t>
             </a:r>
-            <a:endParaRPr lang="en-ZA" dirty="0"/>
+            <a:endParaRPr lang="en-ZA"/>
           </a:p>
         </p:txBody>
       </p:sp>
@@ -1727,10 +2183,10 @@
           <a:p>
             <a:pPr lvl="0"/>
             <a:r>
-              <a:rPr lang="en-US" dirty="0"/>
+              <a:rPr lang="en-US"/>
               <a:t>3</a:t>
             </a:r>
-            <a:endParaRPr lang="en-ZA" dirty="0"/>
+            <a:endParaRPr lang="en-ZA"/>
           </a:p>
         </p:txBody>
       </p:sp>
@@ -1770,7 +2226,7 @@
               <a:rPr lang="en-US"/>
               <a:t>Click to edit Master title style</a:t>
             </a:r>
-            <a:endParaRPr lang="en-ZA" dirty="0"/>
+            <a:endParaRPr lang="en-ZA"/>
           </a:p>
         </p:txBody>
       </p:sp>
@@ -1813,7 +2269,6 @@
               <a:rPr lang="en-US"/>
               <a:t>Click icon to add picture</a:t>
             </a:r>
-            <a:endParaRPr lang="en-US" dirty="0"/>
           </a:p>
         </p:txBody>
       </p:sp>
@@ -1856,7 +2311,6 @@
               <a:rPr lang="en-US"/>
               <a:t>Click icon to add picture</a:t>
             </a:r>
-            <a:endParaRPr lang="en-US" dirty="0"/>
           </a:p>
         </p:txBody>
       </p:sp>
@@ -1899,7 +2353,6 @@
               <a:rPr lang="en-US"/>
               <a:t>Click icon to add picture</a:t>
             </a:r>
-            <a:endParaRPr lang="en-US" dirty="0"/>
           </a:p>
         </p:txBody>
       </p:sp>
@@ -1953,7 +2406,7 @@
           <a:p>
             <a:pPr marL="266700" lvl="0" indent="-266700" algn="ctr"/>
             <a:r>
-              <a:rPr lang="en-ZA" dirty="0"/>
+              <a:rPr lang="en-ZA"/>
               <a:t>Section Header</a:t>
             </a:r>
           </a:p>
@@ -2009,7 +2462,7 @@
           <a:p>
             <a:pPr marL="266700" lvl="0" indent="-266700" algn="ctr"/>
             <a:r>
-              <a:rPr lang="en-ZA" dirty="0"/>
+              <a:rPr lang="en-ZA"/>
               <a:t>Section Header</a:t>
             </a:r>
           </a:p>
@@ -2065,7 +2518,7 @@
           <a:p>
             <a:pPr marL="266700" lvl="0" indent="-266700" algn="ctr"/>
             <a:r>
-              <a:rPr lang="en-ZA" dirty="0"/>
+              <a:rPr lang="en-ZA"/>
               <a:t>Section Header</a:t>
             </a:r>
           </a:p>
@@ -2126,10 +2579,10 @@
           <a:p>
             <a:pPr lvl="0"/>
             <a:r>
-              <a:rPr lang="en-US" dirty="0"/>
+              <a:rPr lang="en-US"/>
               <a:t>Section Description</a:t>
             </a:r>
-            <a:endParaRPr lang="en-ZA" dirty="0"/>
+            <a:endParaRPr lang="en-ZA"/>
           </a:p>
         </p:txBody>
       </p:sp>
@@ -2188,10 +2641,10 @@
           <a:p>
             <a:pPr lvl="0"/>
             <a:r>
-              <a:rPr lang="en-US" dirty="0"/>
+              <a:rPr lang="en-US"/>
               <a:t>Section Description</a:t>
             </a:r>
-            <a:endParaRPr lang="en-ZA" dirty="0"/>
+            <a:endParaRPr lang="en-ZA"/>
           </a:p>
         </p:txBody>
       </p:sp>
@@ -2250,10 +2703,10 @@
           <a:p>
             <a:pPr lvl="0"/>
             <a:r>
-              <a:rPr lang="en-US" dirty="0"/>
+              <a:rPr lang="en-US"/>
               <a:t>Section Description</a:t>
             </a:r>
-            <a:endParaRPr lang="en-ZA" dirty="0"/>
+            <a:endParaRPr lang="en-ZA"/>
           </a:p>
         </p:txBody>
       </p:sp>
@@ -2284,7 +2737,7 @@
           <a:lstStyle/>
           <a:p>
             <a:r>
-              <a:rPr lang="en-US" dirty="0"/>
+              <a:rPr lang="en-US"/>
               <a:t>20XX</a:t>
             </a:r>
           </a:p>
@@ -2323,7 +2776,7 @@
           </a:lstStyle>
           <a:p>
             <a:r>
-              <a:rPr lang="en-ZA" dirty="0"/>
+              <a:rPr lang="en-ZA"/>
               <a:t>Pitch deck title</a:t>
             </a:r>
           </a:p>
@@ -2366,7 +2819,7 @@
               <a:pPr/>
               <a:t>‹#›</a:t>
             </a:fld>
-            <a:endParaRPr lang="en-ZA" dirty="0"/>
+            <a:endParaRPr lang="en-ZA"/>
           </a:p>
         </p:txBody>
       </p:sp>
@@ -2436,7 +2889,7 @@
               <a:rPr lang="en-US"/>
               <a:t>Click to edit Master title style</a:t>
             </a:r>
-            <a:endParaRPr lang="en-ZA" dirty="0"/>
+            <a:endParaRPr lang="en-ZA"/>
           </a:p>
         </p:txBody>
       </p:sp>
@@ -2480,7 +2933,7 @@
           <a:p>
             <a:pPr lvl="0"/>
             <a:r>
-              <a:rPr lang="en-US" dirty="0"/>
+              <a:rPr lang="en-US"/>
               <a:t>QUADRANT TITLE</a:t>
             </a:r>
           </a:p>
@@ -2526,7 +2979,7 @@
           <a:p>
             <a:pPr lvl="0"/>
             <a:r>
-              <a:rPr lang="en-US" dirty="0"/>
+              <a:rPr lang="en-US"/>
               <a:t>QUADRANT TITLE</a:t>
             </a:r>
           </a:p>
@@ -2572,7 +3025,7 @@
           <a:p>
             <a:pPr lvl="0"/>
             <a:r>
-              <a:rPr lang="en-US" dirty="0"/>
+              <a:rPr lang="en-US"/>
               <a:t>QUADRANT TITLE</a:t>
             </a:r>
           </a:p>
@@ -2618,7 +3071,7 @@
           <a:p>
             <a:pPr lvl="0"/>
             <a:r>
-              <a:rPr lang="en-US" dirty="0"/>
+              <a:rPr lang="en-US"/>
               <a:t>QUADRANT TITLE</a:t>
             </a:r>
           </a:p>
@@ -2756,7 +3209,7 @@
             <a:lstStyle/>
             <a:p>
               <a:pPr algn="ctr"/>
-              <a:endParaRPr lang="en-US" dirty="0"/>
+              <a:endParaRPr lang="en-US"/>
             </a:p>
           </p:txBody>
         </p:sp>
@@ -2861,7 +3314,7 @@
             <a:lstStyle/>
             <a:p>
               <a:pPr algn="ctr"/>
-              <a:endParaRPr lang="en-US" dirty="0"/>
+              <a:endParaRPr lang="en-US"/>
             </a:p>
           </p:txBody>
         </p:sp>
@@ -2990,7 +3443,7 @@
             <a:lstStyle/>
             <a:p>
               <a:pPr algn="ctr"/>
-              <a:endParaRPr lang="en-US" dirty="0"/>
+              <a:endParaRPr lang="en-US"/>
             </a:p>
           </p:txBody>
         </p:sp>
@@ -3047,7 +3500,7 @@
             <a:lstStyle/>
             <a:p>
               <a:pPr algn="ctr"/>
-              <a:endParaRPr lang="en-US" dirty="0"/>
+              <a:endParaRPr lang="en-US"/>
             </a:p>
           </p:txBody>
         </p:sp>
@@ -3104,7 +3557,7 @@
             <a:lstStyle/>
             <a:p>
               <a:pPr algn="ctr"/>
-              <a:endParaRPr lang="en-US" dirty="0"/>
+              <a:endParaRPr lang="en-US"/>
             </a:p>
           </p:txBody>
         </p:sp>
@@ -3161,7 +3614,7 @@
             <a:lstStyle/>
             <a:p>
               <a:pPr algn="ctr"/>
-              <a:endParaRPr lang="en-US" dirty="0"/>
+              <a:endParaRPr lang="en-US"/>
             </a:p>
           </p:txBody>
         </p:sp>
@@ -3218,7 +3671,7 @@
             <a:lstStyle/>
             <a:p>
               <a:pPr algn="ctr"/>
-              <a:endParaRPr lang="en-US" dirty="0"/>
+              <a:endParaRPr lang="en-US"/>
             </a:p>
           </p:txBody>
         </p:sp>
@@ -3250,7 +3703,7 @@
           <a:lstStyle/>
           <a:p>
             <a:r>
-              <a:rPr lang="en-US" dirty="0"/>
+              <a:rPr lang="en-US"/>
               <a:t>20XX</a:t>
             </a:r>
           </a:p>
@@ -3289,7 +3742,7 @@
           </a:lstStyle>
           <a:p>
             <a:r>
-              <a:rPr lang="en-ZA" dirty="0"/>
+              <a:rPr lang="en-ZA"/>
               <a:t>Pitch deck title</a:t>
             </a:r>
           </a:p>
@@ -3332,7 +3785,7 @@
               <a:pPr/>
               <a:t>‹#›</a:t>
             </a:fld>
-            <a:endParaRPr lang="en-ZA" dirty="0"/>
+            <a:endParaRPr lang="en-ZA"/>
           </a:p>
         </p:txBody>
       </p:sp>
@@ -3407,7 +3860,6 @@
               <a:rPr lang="en-US"/>
               <a:t>Click to edit Master title style</a:t>
             </a:r>
-            <a:endParaRPr lang="en-US" dirty="0"/>
           </a:p>
         </p:txBody>
       </p:sp>
@@ -3582,7 +4034,7 @@
           <a:p>
             <a:pPr lvl="0"/>
             <a:r>
-              <a:rPr lang="en-US" dirty="0"/>
+              <a:rPr lang="en-US"/>
               <a:t>Click to add subtitle</a:t>
             </a:r>
           </a:p>
@@ -3640,7 +4092,7 @@
           <a:p>
             <a:pPr lvl="0"/>
             <a:r>
-              <a:rPr lang="en-US" dirty="0"/>
+              <a:rPr lang="en-US"/>
               <a:t>Click to add text</a:t>
             </a:r>
           </a:p>
@@ -3689,7 +4141,7 @@
           <a:p>
             <a:pPr lvl="0"/>
             <a:r>
-              <a:rPr lang="en-US" dirty="0"/>
+              <a:rPr lang="en-US"/>
               <a:t>Click to add subtitle</a:t>
             </a:r>
           </a:p>
@@ -3747,7 +4199,7 @@
           <a:p>
             <a:pPr lvl="0"/>
             <a:r>
-              <a:rPr lang="en-US" dirty="0"/>
+              <a:rPr lang="en-US"/>
               <a:t>Click to add text</a:t>
             </a:r>
           </a:p>
@@ -3796,7 +4248,7 @@
           <a:p>
             <a:pPr lvl="0"/>
             <a:r>
-              <a:rPr lang="en-US" dirty="0"/>
+              <a:rPr lang="en-US"/>
               <a:t>Click to add subtitle</a:t>
             </a:r>
           </a:p>
@@ -3854,7 +4306,7 @@
           <a:p>
             <a:pPr lvl="0"/>
             <a:r>
-              <a:rPr lang="en-US" dirty="0"/>
+              <a:rPr lang="en-US"/>
               <a:t>Click to add text</a:t>
             </a:r>
           </a:p>
@@ -3882,7 +4334,7 @@
           <a:lstStyle/>
           <a:p>
             <a:r>
-              <a:rPr lang="en-US" dirty="0"/>
+              <a:rPr lang="en-US"/>
               <a:t>20XX</a:t>
             </a:r>
           </a:p>
@@ -3910,7 +4362,7 @@
           <a:lstStyle/>
           <a:p>
             <a:r>
-              <a:rPr lang="en-US" dirty="0"/>
+              <a:rPr lang="en-US"/>
               <a:t>Pitch deck title</a:t>
             </a:r>
           </a:p>
@@ -3941,7 +4393,7 @@
               <a:rPr lang="en-US" smtClean="0"/>
               <a:t>‹#›</a:t>
             </a:fld>
-            <a:endParaRPr lang="en-US" dirty="0"/>
+            <a:endParaRPr lang="en-US"/>
           </a:p>
         </p:txBody>
       </p:sp>
@@ -4009,7 +4461,6 @@
               <a:rPr lang="en-US"/>
               <a:t>Click to edit Master title style</a:t>
             </a:r>
-            <a:endParaRPr lang="en-US" dirty="0"/>
           </a:p>
         </p:txBody>
       </p:sp>
@@ -4280,7 +4731,6 @@
               <a:rPr lang="en-US"/>
               <a:t>Fifth level</a:t>
             </a:r>
-            <a:endParaRPr lang="en-US" dirty="0"/>
           </a:p>
         </p:txBody>
       </p:sp>
@@ -4449,7 +4899,7 @@
           <a:lstStyle/>
           <a:p>
             <a:r>
-              <a:rPr lang="en-US" dirty="0"/>
+              <a:rPr lang="en-US"/>
               <a:t>20XX</a:t>
             </a:r>
           </a:p>
@@ -4477,7 +4927,7 @@
           <a:lstStyle/>
           <a:p>
             <a:r>
-              <a:rPr lang="en-US" dirty="0"/>
+              <a:rPr lang="en-US"/>
               <a:t>Pitch deck title</a:t>
             </a:r>
           </a:p>
@@ -4508,7 +4958,7 @@
               <a:rPr lang="en-US" smtClean="0"/>
               <a:t>‹#›</a:t>
             </a:fld>
-            <a:endParaRPr lang="en-US" dirty="0"/>
+            <a:endParaRPr lang="en-US"/>
           </a:p>
         </p:txBody>
       </p:sp>
@@ -4578,7 +5028,7 @@
               <a:rPr lang="en-US"/>
               <a:t>Click to edit Master title style</a:t>
             </a:r>
-            <a:endParaRPr lang="en-ZA" dirty="0"/>
+            <a:endParaRPr lang="en-ZA"/>
           </a:p>
         </p:txBody>
       </p:sp>
@@ -4637,10 +5087,10 @@
           <a:p>
             <a:pPr lvl="0"/>
             <a:r>
-              <a:rPr lang="en-US" dirty="0"/>
+              <a:rPr lang="en-US"/>
               <a:t>Item Title</a:t>
             </a:r>
-            <a:endParaRPr lang="en-ZA" dirty="0"/>
+            <a:endParaRPr lang="en-ZA"/>
           </a:p>
         </p:txBody>
       </p:sp>
@@ -4685,10 +5135,10 @@
           <a:p>
             <a:pPr lvl="0"/>
             <a:r>
-              <a:rPr lang="en-US" dirty="0"/>
+              <a:rPr lang="en-US"/>
               <a:t>Year</a:t>
             </a:r>
-            <a:endParaRPr lang="en-ZA" dirty="0"/>
+            <a:endParaRPr lang="en-ZA"/>
           </a:p>
         </p:txBody>
       </p:sp>
@@ -4731,10 +5181,10 @@
           <a:p>
             <a:pPr lvl="0"/>
             <a:r>
-              <a:rPr lang="en-US" dirty="0"/>
+              <a:rPr lang="en-US"/>
               <a:t>MM</a:t>
             </a:r>
-            <a:endParaRPr lang="en-ZA" dirty="0"/>
+            <a:endParaRPr lang="en-ZA"/>
           </a:p>
         </p:txBody>
       </p:sp>
@@ -4777,10 +5227,10 @@
           <a:p>
             <a:pPr lvl="0"/>
             <a:r>
-              <a:rPr lang="en-US" dirty="0"/>
+              <a:rPr lang="en-US"/>
               <a:t>MM</a:t>
             </a:r>
-            <a:endParaRPr lang="en-ZA" dirty="0"/>
+            <a:endParaRPr lang="en-ZA"/>
           </a:p>
         </p:txBody>
       </p:sp>
@@ -4823,10 +5273,10 @@
           <a:p>
             <a:pPr lvl="0"/>
             <a:r>
-              <a:rPr lang="en-US" dirty="0"/>
+              <a:rPr lang="en-US"/>
               <a:t>MM</a:t>
             </a:r>
-            <a:endParaRPr lang="en-ZA" dirty="0"/>
+            <a:endParaRPr lang="en-ZA"/>
           </a:p>
         </p:txBody>
       </p:sp>
@@ -4869,10 +5319,10 @@
           <a:p>
             <a:pPr lvl="0"/>
             <a:r>
-              <a:rPr lang="en-US" dirty="0"/>
+              <a:rPr lang="en-US"/>
               <a:t>MM</a:t>
             </a:r>
-            <a:endParaRPr lang="en-ZA" dirty="0"/>
+            <a:endParaRPr lang="en-ZA"/>
           </a:p>
         </p:txBody>
       </p:sp>
@@ -4915,10 +5365,10 @@
           <a:p>
             <a:pPr lvl="0"/>
             <a:r>
-              <a:rPr lang="en-US" dirty="0"/>
+              <a:rPr lang="en-US"/>
               <a:t>MM</a:t>
             </a:r>
-            <a:endParaRPr lang="en-ZA" dirty="0"/>
+            <a:endParaRPr lang="en-ZA"/>
           </a:p>
         </p:txBody>
       </p:sp>
@@ -4961,10 +5411,10 @@
           <a:p>
             <a:pPr lvl="0"/>
             <a:r>
-              <a:rPr lang="en-US" dirty="0"/>
+              <a:rPr lang="en-US"/>
               <a:t>MM</a:t>
             </a:r>
-            <a:endParaRPr lang="en-ZA" dirty="0"/>
+            <a:endParaRPr lang="en-ZA"/>
           </a:p>
         </p:txBody>
       </p:sp>
@@ -5007,10 +5457,10 @@
           <a:p>
             <a:pPr lvl="0"/>
             <a:r>
-              <a:rPr lang="en-US" dirty="0"/>
+              <a:rPr lang="en-US"/>
               <a:t>MM</a:t>
             </a:r>
-            <a:endParaRPr lang="en-ZA" dirty="0"/>
+            <a:endParaRPr lang="en-ZA"/>
           </a:p>
         </p:txBody>
       </p:sp>
@@ -5053,10 +5503,10 @@
           <a:p>
             <a:pPr lvl="0"/>
             <a:r>
-              <a:rPr lang="en-US" dirty="0"/>
+              <a:rPr lang="en-US"/>
               <a:t>MM</a:t>
             </a:r>
-            <a:endParaRPr lang="en-ZA" dirty="0"/>
+            <a:endParaRPr lang="en-ZA"/>
           </a:p>
         </p:txBody>
       </p:sp>
@@ -5099,10 +5549,10 @@
           <a:p>
             <a:pPr lvl="0"/>
             <a:r>
-              <a:rPr lang="en-US" dirty="0"/>
+              <a:rPr lang="en-US"/>
               <a:t>MM</a:t>
             </a:r>
-            <a:endParaRPr lang="en-ZA" dirty="0"/>
+            <a:endParaRPr lang="en-ZA"/>
           </a:p>
         </p:txBody>
       </p:sp>
@@ -5145,10 +5595,10 @@
           <a:p>
             <a:pPr lvl="0"/>
             <a:r>
-              <a:rPr lang="en-US" dirty="0"/>
+              <a:rPr lang="en-US"/>
               <a:t>MM</a:t>
             </a:r>
-            <a:endParaRPr lang="en-ZA" dirty="0"/>
+            <a:endParaRPr lang="en-ZA"/>
           </a:p>
         </p:txBody>
       </p:sp>
@@ -5191,10 +5641,10 @@
           <a:p>
             <a:pPr lvl="0"/>
             <a:r>
-              <a:rPr lang="en-US" dirty="0"/>
+              <a:rPr lang="en-US"/>
               <a:t>MM</a:t>
             </a:r>
-            <a:endParaRPr lang="en-ZA" dirty="0"/>
+            <a:endParaRPr lang="en-ZA"/>
           </a:p>
         </p:txBody>
       </p:sp>
@@ -5237,10 +5687,10 @@
           <a:p>
             <a:pPr lvl="0"/>
             <a:r>
-              <a:rPr lang="en-US" dirty="0"/>
+              <a:rPr lang="en-US"/>
               <a:t>MM</a:t>
             </a:r>
-            <a:endParaRPr lang="en-ZA" dirty="0"/>
+            <a:endParaRPr lang="en-ZA"/>
           </a:p>
         </p:txBody>
       </p:sp>
@@ -5285,10 +5735,10 @@
           <a:p>
             <a:pPr lvl="0"/>
             <a:r>
-              <a:rPr lang="en-US" dirty="0"/>
+              <a:rPr lang="en-US"/>
               <a:t>Year</a:t>
             </a:r>
-            <a:endParaRPr lang="en-ZA" dirty="0"/>
+            <a:endParaRPr lang="en-ZA"/>
           </a:p>
         </p:txBody>
       </p:sp>
@@ -5331,10 +5781,10 @@
           <a:p>
             <a:pPr lvl="0"/>
             <a:r>
-              <a:rPr lang="en-US" dirty="0"/>
+              <a:rPr lang="en-US"/>
               <a:t>MM</a:t>
             </a:r>
-            <a:endParaRPr lang="en-ZA" dirty="0"/>
+            <a:endParaRPr lang="en-ZA"/>
           </a:p>
         </p:txBody>
       </p:sp>
@@ -5377,10 +5827,10 @@
           <a:p>
             <a:pPr lvl="0"/>
             <a:r>
-              <a:rPr lang="en-US" dirty="0"/>
+              <a:rPr lang="en-US"/>
               <a:t>MM</a:t>
             </a:r>
-            <a:endParaRPr lang="en-ZA" dirty="0"/>
+            <a:endParaRPr lang="en-ZA"/>
           </a:p>
         </p:txBody>
       </p:sp>
@@ -5423,10 +5873,10 @@
           <a:p>
             <a:pPr lvl="0"/>
             <a:r>
-              <a:rPr lang="en-US" dirty="0"/>
+              <a:rPr lang="en-US"/>
               <a:t>MM</a:t>
             </a:r>
-            <a:endParaRPr lang="en-ZA" dirty="0"/>
+            <a:endParaRPr lang="en-ZA"/>
           </a:p>
         </p:txBody>
       </p:sp>
@@ -5469,10 +5919,10 @@
           <a:p>
             <a:pPr lvl="0"/>
             <a:r>
-              <a:rPr lang="en-US" dirty="0"/>
+              <a:rPr lang="en-US"/>
               <a:t>MM</a:t>
             </a:r>
-            <a:endParaRPr lang="en-ZA" dirty="0"/>
+            <a:endParaRPr lang="en-ZA"/>
           </a:p>
         </p:txBody>
       </p:sp>
@@ -5515,10 +5965,10 @@
           <a:p>
             <a:pPr lvl="0"/>
             <a:r>
-              <a:rPr lang="en-US" dirty="0"/>
+              <a:rPr lang="en-US"/>
               <a:t>MM</a:t>
             </a:r>
-            <a:endParaRPr lang="en-ZA" dirty="0"/>
+            <a:endParaRPr lang="en-ZA"/>
           </a:p>
         </p:txBody>
       </p:sp>
@@ -5561,10 +6011,10 @@
           <a:p>
             <a:pPr lvl="0"/>
             <a:r>
-              <a:rPr lang="en-US" dirty="0"/>
+              <a:rPr lang="en-US"/>
               <a:t>MM</a:t>
             </a:r>
-            <a:endParaRPr lang="en-ZA" dirty="0"/>
+            <a:endParaRPr lang="en-ZA"/>
           </a:p>
         </p:txBody>
       </p:sp>
@@ -5607,10 +6057,10 @@
           <a:p>
             <a:pPr lvl="0"/>
             <a:r>
-              <a:rPr lang="en-US" dirty="0"/>
+              <a:rPr lang="en-US"/>
               <a:t>MM</a:t>
             </a:r>
-            <a:endParaRPr lang="en-ZA" dirty="0"/>
+            <a:endParaRPr lang="en-ZA"/>
           </a:p>
         </p:txBody>
       </p:sp>
@@ -5653,10 +6103,10 @@
           <a:p>
             <a:pPr lvl="0"/>
             <a:r>
-              <a:rPr lang="en-US" dirty="0"/>
+              <a:rPr lang="en-US"/>
               <a:t>MM</a:t>
             </a:r>
-            <a:endParaRPr lang="en-ZA" dirty="0"/>
+            <a:endParaRPr lang="en-ZA"/>
           </a:p>
         </p:txBody>
       </p:sp>
@@ -5699,10 +6149,10 @@
           <a:p>
             <a:pPr lvl="0"/>
             <a:r>
-              <a:rPr lang="en-US" dirty="0"/>
+              <a:rPr lang="en-US"/>
               <a:t>MM</a:t>
             </a:r>
-            <a:endParaRPr lang="en-ZA" dirty="0"/>
+            <a:endParaRPr lang="en-ZA"/>
           </a:p>
         </p:txBody>
       </p:sp>
@@ -5745,10 +6195,10 @@
           <a:p>
             <a:pPr lvl="0"/>
             <a:r>
-              <a:rPr lang="en-US" dirty="0"/>
+              <a:rPr lang="en-US"/>
               <a:t>MM</a:t>
             </a:r>
-            <a:endParaRPr lang="en-ZA" dirty="0"/>
+            <a:endParaRPr lang="en-ZA"/>
           </a:p>
         </p:txBody>
       </p:sp>
@@ -5791,10 +6241,10 @@
           <a:p>
             <a:pPr lvl="0"/>
             <a:r>
-              <a:rPr lang="en-US" dirty="0"/>
+              <a:rPr lang="en-US"/>
               <a:t>MM</a:t>
             </a:r>
-            <a:endParaRPr lang="en-ZA" dirty="0"/>
+            <a:endParaRPr lang="en-ZA"/>
           </a:p>
         </p:txBody>
       </p:sp>
@@ -5837,10 +6287,10 @@
           <a:p>
             <a:pPr lvl="0"/>
             <a:r>
-              <a:rPr lang="en-US" dirty="0"/>
+              <a:rPr lang="en-US"/>
               <a:t>MM</a:t>
             </a:r>
-            <a:endParaRPr lang="en-ZA" dirty="0"/>
+            <a:endParaRPr lang="en-ZA"/>
           </a:p>
         </p:txBody>
       </p:sp>
@@ -5915,7 +6365,7 @@
           <a:lstStyle/>
           <a:p>
             <a:r>
-              <a:rPr lang="en-US" dirty="0"/>
+              <a:rPr lang="en-US"/>
               <a:t>20XX</a:t>
             </a:r>
           </a:p>
@@ -5954,7 +6404,7 @@
           </a:lstStyle>
           <a:p>
             <a:r>
-              <a:rPr lang="en-ZA" dirty="0"/>
+              <a:rPr lang="en-ZA"/>
               <a:t>Pitch deck title</a:t>
             </a:r>
           </a:p>
@@ -5997,7 +6447,7 @@
               <a:pPr/>
               <a:t>‹#›</a:t>
             </a:fld>
-            <a:endParaRPr lang="en-ZA" dirty="0"/>
+            <a:endParaRPr lang="en-ZA"/>
           </a:p>
         </p:txBody>
       </p:sp>
@@ -6122,7 +6572,6 @@
               <a:rPr lang="en-US"/>
               <a:t>Click to edit Master title style</a:t>
             </a:r>
-            <a:endParaRPr lang="en-US" dirty="0"/>
           </a:p>
         </p:txBody>
       </p:sp>
@@ -6148,7 +6597,7 @@
           <a:lstStyle/>
           <a:p>
             <a:r>
-              <a:rPr lang="en-US" dirty="0"/>
+              <a:rPr lang="en-US"/>
               <a:t>20XX</a:t>
             </a:r>
           </a:p>
@@ -6176,7 +6625,7 @@
           <a:lstStyle/>
           <a:p>
             <a:r>
-              <a:rPr lang="en-US" dirty="0"/>
+              <a:rPr lang="en-US"/>
               <a:t>Pitch deck title</a:t>
             </a:r>
           </a:p>
@@ -6207,7 +6656,7 @@
               <a:rPr lang="en-US" smtClean="0"/>
               <a:t>‹#›</a:t>
             </a:fld>
-            <a:endParaRPr lang="en-US" dirty="0"/>
+            <a:endParaRPr lang="en-US"/>
           </a:p>
         </p:txBody>
       </p:sp>
@@ -6270,7 +6719,6 @@
               <a:rPr lang="en-US"/>
               <a:t>Click to edit Master title style</a:t>
             </a:r>
-            <a:endParaRPr lang="en-US" dirty="0"/>
           </a:p>
         </p:txBody>
       </p:sp>
@@ -6307,7 +6755,6 @@
               <a:rPr lang="en-US"/>
               <a:t>Click icon to add picture</a:t>
             </a:r>
-            <a:endParaRPr lang="en-US" dirty="0"/>
           </a:p>
         </p:txBody>
       </p:sp>
@@ -6372,7 +6819,7 @@
           <a:p>
             <a:pPr lvl="0"/>
             <a:r>
-              <a:rPr lang="en-US" dirty="0"/>
+              <a:rPr lang="en-US"/>
               <a:t>Name</a:t>
             </a:r>
           </a:p>
@@ -6439,7 +6886,7 @@
           <a:p>
             <a:pPr lvl="0"/>
             <a:r>
-              <a:rPr lang="en-US" dirty="0"/>
+              <a:rPr lang="en-US"/>
               <a:t>Title</a:t>
             </a:r>
           </a:p>
@@ -6478,7 +6925,6 @@
               <a:rPr lang="en-US"/>
               <a:t>Click icon to add picture</a:t>
             </a:r>
-            <a:endParaRPr lang="en-US" dirty="0"/>
           </a:p>
         </p:txBody>
       </p:sp>
@@ -6543,7 +6989,7 @@
           <a:p>
             <a:pPr lvl="0"/>
             <a:r>
-              <a:rPr lang="en-US" dirty="0"/>
+              <a:rPr lang="en-US"/>
               <a:t>Name</a:t>
             </a:r>
           </a:p>
@@ -6610,7 +7056,7 @@
           <a:p>
             <a:pPr lvl="0"/>
             <a:r>
-              <a:rPr lang="en-US" dirty="0"/>
+              <a:rPr lang="en-US"/>
               <a:t>Title</a:t>
             </a:r>
           </a:p>
@@ -6649,7 +7095,6 @@
               <a:rPr lang="en-US"/>
               <a:t>Click icon to add picture</a:t>
             </a:r>
-            <a:endParaRPr lang="en-US" dirty="0"/>
           </a:p>
         </p:txBody>
       </p:sp>
@@ -6714,7 +7159,7 @@
           <a:p>
             <a:pPr lvl="0"/>
             <a:r>
-              <a:rPr lang="en-US" dirty="0"/>
+              <a:rPr lang="en-US"/>
               <a:t>Name</a:t>
             </a:r>
           </a:p>
@@ -6781,7 +7226,7 @@
           <a:p>
             <a:pPr lvl="0"/>
             <a:r>
-              <a:rPr lang="en-US" dirty="0"/>
+              <a:rPr lang="en-US"/>
               <a:t>Title</a:t>
             </a:r>
           </a:p>
@@ -6820,7 +7265,6 @@
               <a:rPr lang="en-US"/>
               <a:t>Click icon to add picture</a:t>
             </a:r>
-            <a:endParaRPr lang="en-US" dirty="0"/>
           </a:p>
         </p:txBody>
       </p:sp>
@@ -6885,7 +7329,7 @@
           <a:p>
             <a:pPr lvl="0"/>
             <a:r>
-              <a:rPr lang="en-US" dirty="0"/>
+              <a:rPr lang="en-US"/>
               <a:t>Name</a:t>
             </a:r>
           </a:p>
@@ -6952,7 +7396,7 @@
           <a:p>
             <a:pPr lvl="0"/>
             <a:r>
-              <a:rPr lang="en-US" dirty="0"/>
+              <a:rPr lang="en-US"/>
               <a:t>Title</a:t>
             </a:r>
           </a:p>
@@ -6980,7 +7424,7 @@
           <a:lstStyle/>
           <a:p>
             <a:r>
-              <a:rPr lang="en-US" dirty="0"/>
+              <a:rPr lang="en-US"/>
               <a:t>20XX</a:t>
             </a:r>
           </a:p>
@@ -7008,7 +7452,7 @@
           <a:lstStyle/>
           <a:p>
             <a:r>
-              <a:rPr lang="en-US" dirty="0"/>
+              <a:rPr lang="en-US"/>
               <a:t>Pitch deck title</a:t>
             </a:r>
           </a:p>
@@ -7039,7 +7483,7 @@
               <a:rPr lang="en-US" smtClean="0"/>
               <a:t>‹#›</a:t>
             </a:fld>
-            <a:endParaRPr lang="en-US" dirty="0"/>
+            <a:endParaRPr lang="en-US"/>
           </a:p>
         </p:txBody>
       </p:sp>
@@ -7102,7 +7546,6 @@
               <a:rPr lang="en-US"/>
               <a:t>Click to edit Master title style</a:t>
             </a:r>
-            <a:endParaRPr lang="en-US" dirty="0"/>
           </a:p>
         </p:txBody>
       </p:sp>
@@ -7139,7 +7582,6 @@
               <a:rPr lang="en-US"/>
               <a:t>Click icon to add picture</a:t>
             </a:r>
-            <a:endParaRPr lang="en-US" dirty="0"/>
           </a:p>
         </p:txBody>
       </p:sp>
@@ -7204,7 +7646,7 @@
           <a:p>
             <a:pPr lvl="0"/>
             <a:r>
-              <a:rPr lang="en-US" dirty="0"/>
+              <a:rPr lang="en-US"/>
               <a:t>Name</a:t>
             </a:r>
           </a:p>
@@ -7271,7 +7713,7 @@
           <a:p>
             <a:pPr lvl="0"/>
             <a:r>
-              <a:rPr lang="en-US" dirty="0"/>
+              <a:rPr lang="en-US"/>
               <a:t>Title</a:t>
             </a:r>
           </a:p>
@@ -7310,7 +7752,6 @@
               <a:rPr lang="en-US"/>
               <a:t>Click icon to add picture</a:t>
             </a:r>
-            <a:endParaRPr lang="en-US" dirty="0"/>
           </a:p>
         </p:txBody>
       </p:sp>
@@ -7375,7 +7816,7 @@
           <a:p>
             <a:pPr lvl="0"/>
             <a:r>
-              <a:rPr lang="en-US" dirty="0"/>
+              <a:rPr lang="en-US"/>
               <a:t>Name</a:t>
             </a:r>
           </a:p>
@@ -7442,7 +7883,7 @@
           <a:p>
             <a:pPr lvl="0"/>
             <a:r>
-              <a:rPr lang="en-US" dirty="0"/>
+              <a:rPr lang="en-US"/>
               <a:t>Title</a:t>
             </a:r>
           </a:p>
@@ -7481,7 +7922,6 @@
               <a:rPr lang="en-US"/>
               <a:t>Click icon to add picture</a:t>
             </a:r>
-            <a:endParaRPr lang="en-US" dirty="0"/>
           </a:p>
         </p:txBody>
       </p:sp>
@@ -7546,7 +7986,7 @@
           <a:p>
             <a:pPr lvl="0"/>
             <a:r>
-              <a:rPr lang="en-US" dirty="0"/>
+              <a:rPr lang="en-US"/>
               <a:t>Name</a:t>
             </a:r>
           </a:p>
@@ -7613,7 +8053,7 @@
           <a:p>
             <a:pPr lvl="0"/>
             <a:r>
-              <a:rPr lang="en-US" dirty="0"/>
+              <a:rPr lang="en-US"/>
               <a:t>Title</a:t>
             </a:r>
           </a:p>
@@ -7652,7 +8092,6 @@
               <a:rPr lang="en-US"/>
               <a:t>Click icon to add picture</a:t>
             </a:r>
-            <a:endParaRPr lang="en-US" dirty="0"/>
           </a:p>
         </p:txBody>
       </p:sp>
@@ -7717,7 +8156,7 @@
           <a:p>
             <a:pPr lvl="0"/>
             <a:r>
-              <a:rPr lang="en-US" dirty="0"/>
+              <a:rPr lang="en-US"/>
               <a:t>Name</a:t>
             </a:r>
           </a:p>
@@ -7784,7 +8223,7 @@
           <a:p>
             <a:pPr lvl="0"/>
             <a:r>
-              <a:rPr lang="en-US" dirty="0"/>
+              <a:rPr lang="en-US"/>
               <a:t>Title</a:t>
             </a:r>
           </a:p>
@@ -7823,7 +8262,6 @@
               <a:rPr lang="en-US"/>
               <a:t>Click icon to add picture</a:t>
             </a:r>
-            <a:endParaRPr lang="en-US" dirty="0"/>
           </a:p>
         </p:txBody>
       </p:sp>
@@ -7888,7 +8326,7 @@
           <a:p>
             <a:pPr lvl="0"/>
             <a:r>
-              <a:rPr lang="en-US" dirty="0"/>
+              <a:rPr lang="en-US"/>
               <a:t>Name</a:t>
             </a:r>
           </a:p>
@@ -7955,7 +8393,7 @@
           <a:p>
             <a:pPr lvl="0"/>
             <a:r>
-              <a:rPr lang="en-US" dirty="0"/>
+              <a:rPr lang="en-US"/>
               <a:t>Title</a:t>
             </a:r>
           </a:p>
@@ -7994,7 +8432,6 @@
               <a:rPr lang="en-US"/>
               <a:t>Click icon to add picture</a:t>
             </a:r>
-            <a:endParaRPr lang="en-US" dirty="0"/>
           </a:p>
         </p:txBody>
       </p:sp>
@@ -8059,7 +8496,7 @@
           <a:p>
             <a:pPr lvl="0"/>
             <a:r>
-              <a:rPr lang="en-US" dirty="0"/>
+              <a:rPr lang="en-US"/>
               <a:t>Name</a:t>
             </a:r>
           </a:p>
@@ -8126,7 +8563,7 @@
           <a:p>
             <a:pPr lvl="0"/>
             <a:r>
-              <a:rPr lang="en-US" dirty="0"/>
+              <a:rPr lang="en-US"/>
               <a:t>Title</a:t>
             </a:r>
           </a:p>
@@ -8165,7 +8602,6 @@
               <a:rPr lang="en-US"/>
               <a:t>Click icon to add picture</a:t>
             </a:r>
-            <a:endParaRPr lang="en-US" dirty="0"/>
           </a:p>
         </p:txBody>
       </p:sp>
@@ -8230,7 +8666,7 @@
           <a:p>
             <a:pPr lvl="0"/>
             <a:r>
-              <a:rPr lang="en-US" dirty="0"/>
+              <a:rPr lang="en-US"/>
               <a:t>Name</a:t>
             </a:r>
           </a:p>
@@ -8297,7 +8733,7 @@
           <a:p>
             <a:pPr lvl="0"/>
             <a:r>
-              <a:rPr lang="en-US" dirty="0"/>
+              <a:rPr lang="en-US"/>
               <a:t>Title</a:t>
             </a:r>
           </a:p>
@@ -8336,7 +8772,6 @@
               <a:rPr lang="en-US"/>
               <a:t>Click icon to add picture</a:t>
             </a:r>
-            <a:endParaRPr lang="en-US" dirty="0"/>
           </a:p>
         </p:txBody>
       </p:sp>
@@ -8401,7 +8836,7 @@
           <a:p>
             <a:pPr lvl="0"/>
             <a:r>
-              <a:rPr lang="en-US" dirty="0"/>
+              <a:rPr lang="en-US"/>
               <a:t>Name</a:t>
             </a:r>
           </a:p>
@@ -8468,7 +8903,7 @@
           <a:p>
             <a:pPr lvl="0"/>
             <a:r>
-              <a:rPr lang="en-US" dirty="0"/>
+              <a:rPr lang="en-US"/>
               <a:t>Title</a:t>
             </a:r>
           </a:p>
@@ -8496,7 +8931,7 @@
           <a:lstStyle/>
           <a:p>
             <a:r>
-              <a:rPr lang="en-US" dirty="0"/>
+              <a:rPr lang="en-US"/>
               <a:t>20XX</a:t>
             </a:r>
           </a:p>
@@ -8524,7 +8959,7 @@
           <a:lstStyle/>
           <a:p>
             <a:r>
-              <a:rPr lang="en-US" dirty="0"/>
+              <a:rPr lang="en-US"/>
               <a:t>Pitch deck title</a:t>
             </a:r>
           </a:p>
@@ -8555,7 +8990,7 @@
               <a:rPr lang="en-US" smtClean="0"/>
               <a:t>‹#›</a:t>
             </a:fld>
-            <a:endParaRPr lang="en-US" dirty="0"/>
+            <a:endParaRPr lang="en-US"/>
           </a:p>
         </p:txBody>
       </p:sp>
@@ -8618,7 +9053,6 @@
               <a:rPr lang="en-US"/>
               <a:t>Click to edit Master title style</a:t>
             </a:r>
-            <a:endParaRPr lang="en-US" dirty="0"/>
           </a:p>
         </p:txBody>
       </p:sp>
@@ -8657,7 +9091,7 @@
           <a:p>
             <a:pPr lvl="0"/>
             <a:r>
-              <a:rPr lang="en-US" dirty="0"/>
+              <a:rPr lang="en-US"/>
               <a:t>Add content</a:t>
             </a:r>
           </a:p>
@@ -8719,7 +9153,7 @@
           <a:p>
             <a:pPr lvl="0"/>
             <a:r>
-              <a:rPr lang="en-US" dirty="0"/>
+              <a:rPr lang="en-US"/>
               <a:t>Section Title</a:t>
             </a:r>
           </a:p>
@@ -8776,7 +9210,7 @@
           <a:p>
             <a:pPr lvl="0"/>
             <a:r>
-              <a:rPr lang="en-US" dirty="0"/>
+              <a:rPr lang="en-US"/>
               <a:t>Section Title</a:t>
             </a:r>
           </a:p>
@@ -8833,7 +9267,7 @@
           <a:p>
             <a:pPr lvl="0"/>
             <a:r>
-              <a:rPr lang="en-US" dirty="0"/>
+              <a:rPr lang="en-US"/>
               <a:t>Section Description</a:t>
             </a:r>
           </a:p>
@@ -8874,7 +9308,7 @@
           <a:p>
             <a:pPr lvl="0"/>
             <a:r>
-              <a:rPr lang="en-US" dirty="0"/>
+              <a:rPr lang="en-US"/>
               <a:t>Add content</a:t>
             </a:r>
           </a:p>
@@ -8936,7 +9370,7 @@
           <a:p>
             <a:pPr lvl="0"/>
             <a:r>
-              <a:rPr lang="en-US" dirty="0"/>
+              <a:rPr lang="en-US"/>
               <a:t>Section Title</a:t>
             </a:r>
           </a:p>
@@ -8993,7 +9427,7 @@
           <a:p>
             <a:pPr lvl="0"/>
             <a:r>
-              <a:rPr lang="en-US" dirty="0"/>
+              <a:rPr lang="en-US"/>
               <a:t>Section Title</a:t>
             </a:r>
           </a:p>
@@ -9050,7 +9484,7 @@
           <a:p>
             <a:pPr lvl="0"/>
             <a:r>
-              <a:rPr lang="en-US" dirty="0"/>
+              <a:rPr lang="en-US"/>
               <a:t>Section Description</a:t>
             </a:r>
           </a:p>
@@ -9091,7 +9525,7 @@
           <a:p>
             <a:pPr lvl="0"/>
             <a:r>
-              <a:rPr lang="en-US" dirty="0"/>
+              <a:rPr lang="en-US"/>
               <a:t>Add content</a:t>
             </a:r>
           </a:p>
@@ -9153,7 +9587,7 @@
           <a:p>
             <a:pPr lvl="0"/>
             <a:r>
-              <a:rPr lang="en-US" dirty="0"/>
+              <a:rPr lang="en-US"/>
               <a:t>Section Title</a:t>
             </a:r>
           </a:p>
@@ -9210,7 +9644,7 @@
           <a:p>
             <a:pPr lvl="0"/>
             <a:r>
-              <a:rPr lang="en-US" dirty="0"/>
+              <a:rPr lang="en-US"/>
               <a:t>Section Title</a:t>
             </a:r>
           </a:p>
@@ -9267,7 +9701,7 @@
           <a:p>
             <a:pPr lvl="0"/>
             <a:r>
-              <a:rPr lang="en-US" dirty="0"/>
+              <a:rPr lang="en-US"/>
               <a:t>Section Description</a:t>
             </a:r>
           </a:p>
@@ -9308,7 +9742,7 @@
           <a:p>
             <a:pPr lvl="0"/>
             <a:r>
-              <a:rPr lang="en-US" dirty="0"/>
+              <a:rPr lang="en-US"/>
               <a:t>Add content</a:t>
             </a:r>
           </a:p>
@@ -9370,7 +9804,7 @@
           <a:p>
             <a:pPr lvl="0"/>
             <a:r>
-              <a:rPr lang="en-US" dirty="0"/>
+              <a:rPr lang="en-US"/>
               <a:t>Section Title</a:t>
             </a:r>
           </a:p>
@@ -9427,7 +9861,7 @@
           <a:p>
             <a:pPr lvl="0"/>
             <a:r>
-              <a:rPr lang="en-US" dirty="0"/>
+              <a:rPr lang="en-US"/>
               <a:t>Section Title</a:t>
             </a:r>
           </a:p>
@@ -9484,7 +9918,7 @@
           <a:p>
             <a:pPr lvl="0"/>
             <a:r>
-              <a:rPr lang="en-US" dirty="0"/>
+              <a:rPr lang="en-US"/>
               <a:t>Section Description</a:t>
             </a:r>
           </a:p>
@@ -9541,7 +9975,7 @@
           <a:lstStyle/>
           <a:p>
             <a:pPr algn="ctr"/>
-            <a:endParaRPr lang="en-US" dirty="0"/>
+            <a:endParaRPr lang="en-US"/>
           </a:p>
         </p:txBody>
       </p:sp>
@@ -9596,7 +10030,7 @@
           <a:lstStyle/>
           <a:p>
             <a:pPr algn="ctr"/>
-            <a:endParaRPr lang="en-US" dirty="0"/>
+            <a:endParaRPr lang="en-US"/>
           </a:p>
         </p:txBody>
       </p:sp>
@@ -9651,7 +10085,7 @@
           <a:lstStyle/>
           <a:p>
             <a:pPr algn="ctr"/>
-            <a:endParaRPr lang="en-US" dirty="0"/>
+            <a:endParaRPr lang="en-US"/>
           </a:p>
         </p:txBody>
       </p:sp>
@@ -9706,7 +10140,7 @@
           <a:lstStyle/>
           <a:p>
             <a:pPr algn="ctr"/>
-            <a:endParaRPr lang="en-US" dirty="0"/>
+            <a:endParaRPr lang="en-US"/>
           </a:p>
         </p:txBody>
       </p:sp>
@@ -9732,7 +10166,7 @@
           <a:lstStyle/>
           <a:p>
             <a:r>
-              <a:rPr lang="en-US" dirty="0"/>
+              <a:rPr lang="en-US"/>
               <a:t>20XX</a:t>
             </a:r>
           </a:p>
@@ -9760,7 +10194,7 @@
           <a:lstStyle/>
           <a:p>
             <a:r>
-              <a:rPr lang="en-US" dirty="0"/>
+              <a:rPr lang="en-US"/>
               <a:t>Pitch deck title</a:t>
             </a:r>
           </a:p>
@@ -9791,7 +10225,7 @@
               <a:rPr lang="en-US" smtClean="0"/>
               <a:t>‹#›</a:t>
             </a:fld>
-            <a:endParaRPr lang="en-US" dirty="0"/>
+            <a:endParaRPr lang="en-US"/>
           </a:p>
         </p:txBody>
       </p:sp>
@@ -9878,7 +10312,7 @@
           <a:lstStyle/>
           <a:p>
             <a:pPr algn="ctr"/>
-            <a:endParaRPr lang="en-US" dirty="0"/>
+            <a:endParaRPr lang="en-US"/>
           </a:p>
         </p:txBody>
       </p:sp>
@@ -9923,7 +10357,6 @@
               <a:rPr lang="en-US"/>
               <a:t>Click to edit Master title style</a:t>
             </a:r>
-            <a:endParaRPr lang="en-US" dirty="0"/>
           </a:p>
         </p:txBody>
       </p:sp>
@@ -9960,7 +10393,6 @@
               <a:rPr lang="en-US"/>
               <a:t>Click icon to add picture</a:t>
             </a:r>
-            <a:endParaRPr lang="en-US" dirty="0"/>
           </a:p>
         </p:txBody>
       </p:sp>
@@ -10108,7 +10540,7 @@
           <a:lstStyle/>
           <a:p>
             <a:r>
-              <a:rPr lang="en-US" dirty="0"/>
+              <a:rPr lang="en-US"/>
               <a:t>20XX</a:t>
             </a:r>
           </a:p>
@@ -10136,7 +10568,7 @@
           <a:lstStyle/>
           <a:p>
             <a:r>
-              <a:rPr lang="en-US" dirty="0"/>
+              <a:rPr lang="en-US"/>
               <a:t>Pitch deck title</a:t>
             </a:r>
           </a:p>
@@ -10167,7 +10599,7 @@
               <a:rPr lang="en-US" smtClean="0"/>
               <a:t>‹#›</a:t>
             </a:fld>
-            <a:endParaRPr lang="en-US" dirty="0"/>
+            <a:endParaRPr lang="en-US"/>
           </a:p>
         </p:txBody>
       </p:sp>
@@ -10254,7 +10686,7 @@
           <a:lstStyle/>
           <a:p>
             <a:pPr algn="ctr"/>
-            <a:endParaRPr lang="en-US" dirty="0"/>
+            <a:endParaRPr lang="en-US"/>
           </a:p>
         </p:txBody>
       </p:sp>
@@ -10299,7 +10731,6 @@
               <a:rPr lang="en-US"/>
               <a:t>Click to edit Master title style</a:t>
             </a:r>
-            <a:endParaRPr lang="en-US" dirty="0"/>
           </a:p>
         </p:txBody>
       </p:sp>
@@ -10336,7 +10767,6 @@
               <a:rPr lang="en-US"/>
               <a:t>Click icon to add picture</a:t>
             </a:r>
-            <a:endParaRPr lang="en-US" dirty="0"/>
           </a:p>
         </p:txBody>
       </p:sp>
@@ -10492,7 +10922,6 @@
               <a:rPr lang="en-US"/>
               <a:t>Fifth level</a:t>
             </a:r>
-            <a:endParaRPr lang="en-US" dirty="0"/>
           </a:p>
         </p:txBody>
       </p:sp>
@@ -10518,7 +10947,7 @@
           <a:lstStyle/>
           <a:p>
             <a:r>
-              <a:rPr lang="en-US" dirty="0"/>
+              <a:rPr lang="en-US"/>
               <a:t>20XX</a:t>
             </a:r>
           </a:p>
@@ -10546,7 +10975,7 @@
           <a:lstStyle/>
           <a:p>
             <a:r>
-              <a:rPr lang="en-US" dirty="0"/>
+              <a:rPr lang="en-US"/>
               <a:t>Pitch deck title</a:t>
             </a:r>
           </a:p>
@@ -10577,7 +11006,7 @@
               <a:rPr lang="en-US" smtClean="0"/>
               <a:t>‹#›</a:t>
             </a:fld>
-            <a:endParaRPr lang="en-US" dirty="0"/>
+            <a:endParaRPr lang="en-US"/>
           </a:p>
         </p:txBody>
       </p:sp>
@@ -10663,7 +11092,6 @@
               <a:rPr lang="en-US"/>
               <a:t>Click to edit Master title style</a:t>
             </a:r>
-            <a:endParaRPr lang="en-US" dirty="0"/>
           </a:p>
         </p:txBody>
       </p:sp>
@@ -10700,7 +11128,6 @@
               <a:rPr lang="en-US"/>
               <a:t>Click icon to add picture</a:t>
             </a:r>
-            <a:endParaRPr lang="en-US" dirty="0"/>
           </a:p>
         </p:txBody>
       </p:sp>
@@ -10737,7 +11164,6 @@
               <a:rPr lang="en-US"/>
               <a:t>Click icon to add picture</a:t>
             </a:r>
-            <a:endParaRPr lang="en-US" dirty="0"/>
           </a:p>
         </p:txBody>
       </p:sp>
@@ -10841,7 +11267,6 @@
               <a:rPr lang="en-US"/>
               <a:t>Fifth level</a:t>
             </a:r>
-            <a:endParaRPr lang="en-US" dirty="0"/>
           </a:p>
         </p:txBody>
       </p:sp>
@@ -10867,7 +11292,7 @@
           <a:lstStyle/>
           <a:p>
             <a:r>
-              <a:rPr lang="en-US" dirty="0"/>
+              <a:rPr lang="en-US"/>
               <a:t>20XX</a:t>
             </a:r>
           </a:p>
@@ -10895,7 +11320,7 @@
           <a:lstStyle/>
           <a:p>
             <a:r>
-              <a:rPr lang="en-US" dirty="0"/>
+              <a:rPr lang="en-US"/>
               <a:t>Pitch deck title</a:t>
             </a:r>
           </a:p>
@@ -10926,7 +11351,7 @@
               <a:rPr lang="en-US" smtClean="0"/>
               <a:t>‹#›</a:t>
             </a:fld>
-            <a:endParaRPr lang="en-US" dirty="0"/>
+            <a:endParaRPr lang="en-US"/>
           </a:p>
         </p:txBody>
       </p:sp>
@@ -10993,7 +11418,6 @@
               <a:rPr lang="en-US"/>
               <a:t>Click icon to add picture</a:t>
             </a:r>
-            <a:endParaRPr lang="en-US" dirty="0"/>
           </a:p>
         </p:txBody>
       </p:sp>
@@ -11019,7 +11443,7 @@
           <a:lstStyle/>
           <a:p>
             <a:r>
-              <a:rPr lang="en-US" dirty="0"/>
+              <a:rPr lang="en-US"/>
               <a:t>20XX</a:t>
             </a:r>
           </a:p>
@@ -11047,7 +11471,7 @@
           <a:lstStyle/>
           <a:p>
             <a:r>
-              <a:rPr lang="en-US" dirty="0"/>
+              <a:rPr lang="en-US"/>
               <a:t>Pitch deck title</a:t>
             </a:r>
           </a:p>
@@ -11078,7 +11502,7 @@
               <a:rPr lang="en-US" smtClean="0"/>
               <a:t>‹#›</a:t>
             </a:fld>
-            <a:endParaRPr lang="en-US" dirty="0"/>
+            <a:endParaRPr lang="en-US"/>
           </a:p>
         </p:txBody>
       </p:sp>
@@ -11118,7 +11542,6 @@
               <a:rPr lang="en-US"/>
               <a:t>Click to edit Master title style</a:t>
             </a:r>
-            <a:endParaRPr lang="en-US" dirty="0"/>
           </a:p>
         </p:txBody>
       </p:sp>
@@ -11222,7 +11645,6 @@
               <a:rPr lang="en-US"/>
               <a:t>Fifth level</a:t>
             </a:r>
-            <a:endParaRPr lang="en-US" dirty="0"/>
           </a:p>
         </p:txBody>
       </p:sp>
@@ -11306,7 +11728,7 @@
           <a:lstStyle/>
           <a:p>
             <a:r>
-              <a:rPr lang="en-US" dirty="0"/>
+              <a:rPr lang="en-US"/>
               <a:t>20XX</a:t>
             </a:r>
           </a:p>
@@ -11334,7 +11756,7 @@
           <a:lstStyle/>
           <a:p>
             <a:r>
-              <a:rPr lang="en-US" dirty="0"/>
+              <a:rPr lang="en-US"/>
               <a:t>Pitch deck title</a:t>
             </a:r>
           </a:p>
@@ -11365,7 +11787,7 @@
               <a:rPr lang="en-US" smtClean="0"/>
               <a:t>‹#›</a:t>
             </a:fld>
-            <a:endParaRPr lang="en-US" dirty="0"/>
+            <a:endParaRPr lang="en-US"/>
           </a:p>
         </p:txBody>
       </p:sp>
@@ -11573,7 +11995,7 @@
           <a:lstStyle/>
           <a:p>
             <a:r>
-              <a:rPr lang="en-US" dirty="0"/>
+              <a:rPr lang="en-US"/>
               <a:t>20XX</a:t>
             </a:r>
           </a:p>
@@ -11601,7 +12023,7 @@
           <a:lstStyle/>
           <a:p>
             <a:r>
-              <a:rPr lang="en-US" dirty="0"/>
+              <a:rPr lang="en-US"/>
               <a:t>Pitch deck title</a:t>
             </a:r>
           </a:p>
@@ -11632,7 +12054,7 @@
               <a:rPr lang="en-US" smtClean="0"/>
               <a:t>‹#›</a:t>
             </a:fld>
-            <a:endParaRPr lang="en-US" dirty="0"/>
+            <a:endParaRPr lang="en-US"/>
           </a:p>
         </p:txBody>
       </p:sp>
@@ -11705,7 +12127,7 @@
           <a:p>
             <a:pPr lvl="0"/>
             <a:r>
-              <a:rPr lang="en-US" dirty="0"/>
+              <a:rPr lang="en-US"/>
               <a:t>Click to add subtitle</a:t>
             </a:r>
           </a:p>
@@ -11751,7 +12173,7 @@
           <a:p>
             <a:pPr lvl="0"/>
             <a:r>
-              <a:rPr lang="en-US" dirty="0"/>
+              <a:rPr lang="en-US"/>
               <a:t>Click to add text</a:t>
             </a:r>
           </a:p>
@@ -11796,7 +12218,7 @@
           <a:p>
             <a:pPr lvl="0"/>
             <a:r>
-              <a:rPr lang="en-US" dirty="0"/>
+              <a:rPr lang="en-US"/>
               <a:t>Click to add subtitle</a:t>
             </a:r>
           </a:p>
@@ -11842,7 +12264,7 @@
           <a:p>
             <a:pPr lvl="0"/>
             <a:r>
-              <a:rPr lang="en-US" dirty="0"/>
+              <a:rPr lang="en-US"/>
               <a:t>Click to add text</a:t>
             </a:r>
           </a:p>
@@ -11887,7 +12309,7 @@
           <a:p>
             <a:pPr lvl="0"/>
             <a:r>
-              <a:rPr lang="en-US" dirty="0"/>
+              <a:rPr lang="en-US"/>
               <a:t>Click to add subtitle</a:t>
             </a:r>
           </a:p>
@@ -11933,7 +12355,7 @@
           <a:p>
             <a:pPr lvl="0"/>
             <a:r>
-              <a:rPr lang="en-US" dirty="0"/>
+              <a:rPr lang="en-US"/>
               <a:t>Click to add text</a:t>
             </a:r>
           </a:p>
@@ -11989,7 +12411,7 @@
           <a:lstStyle/>
           <a:p>
             <a:r>
-              <a:rPr lang="en-US" dirty="0"/>
+              <a:rPr lang="en-US"/>
               <a:t>20XX</a:t>
             </a:r>
           </a:p>
@@ -12017,7 +12439,7 @@
           <a:lstStyle/>
           <a:p>
             <a:r>
-              <a:rPr lang="en-US" dirty="0"/>
+              <a:rPr lang="en-US"/>
               <a:t>Pitch deck title</a:t>
             </a:r>
           </a:p>
@@ -12048,7 +12470,7 @@
               <a:rPr lang="en-US" smtClean="0"/>
               <a:t>‹#›</a:t>
             </a:fld>
-            <a:endParaRPr lang="en-US" dirty="0"/>
+            <a:endParaRPr lang="en-US"/>
           </a:p>
         </p:txBody>
       </p:sp>
@@ -12104,7 +12526,7 @@
           <a:lstStyle/>
           <a:p>
             <a:r>
-              <a:rPr lang="en-US" dirty="0"/>
+              <a:rPr lang="en-US"/>
               <a:t>20XX</a:t>
             </a:r>
           </a:p>
@@ -12132,7 +12554,7 @@
           <a:lstStyle/>
           <a:p>
             <a:r>
-              <a:rPr lang="en-US" dirty="0"/>
+              <a:rPr lang="en-US"/>
               <a:t>Pitch deck title</a:t>
             </a:r>
           </a:p>
@@ -12163,7 +12585,7 @@
               <a:rPr lang="en-US" smtClean="0"/>
               <a:t>‹#›</a:t>
             </a:fld>
-            <a:endParaRPr lang="en-US" dirty="0"/>
+            <a:endParaRPr lang="en-US"/>
           </a:p>
         </p:txBody>
       </p:sp>
@@ -12417,7 +12839,7 @@
           <a:lstStyle/>
           <a:p>
             <a:r>
-              <a:rPr lang="en-US" dirty="0"/>
+              <a:rPr lang="en-US"/>
               <a:t>20XX</a:t>
             </a:r>
           </a:p>
@@ -12445,7 +12867,7 @@
           <a:lstStyle/>
           <a:p>
             <a:r>
-              <a:rPr lang="en-US" dirty="0"/>
+              <a:rPr lang="en-US"/>
               <a:t>Pitch deck title</a:t>
             </a:r>
           </a:p>
@@ -12476,7 +12898,7 @@
               <a:rPr lang="en-US" smtClean="0"/>
               <a:t>‹#›</a:t>
             </a:fld>
-            <a:endParaRPr lang="en-US" dirty="0"/>
+            <a:endParaRPr lang="en-US"/>
           </a:p>
         </p:txBody>
       </p:sp>
@@ -12614,7 +13036,6 @@
               <a:rPr lang="en-US"/>
               <a:t>Click icon to add picture</a:t>
             </a:r>
-            <a:endParaRPr lang="en-US" dirty="0"/>
           </a:p>
         </p:txBody>
       </p:sp>
@@ -12711,7 +13132,7 @@
           <a:lstStyle/>
           <a:p>
             <a:r>
-              <a:rPr lang="en-US" dirty="0"/>
+              <a:rPr lang="en-US"/>
               <a:t>20XX</a:t>
             </a:r>
           </a:p>
@@ -12739,7 +13160,7 @@
           <a:lstStyle/>
           <a:p>
             <a:r>
-              <a:rPr lang="en-US" dirty="0"/>
+              <a:rPr lang="en-US"/>
               <a:t>Pitch deck title</a:t>
             </a:r>
           </a:p>
@@ -12770,7 +13191,7 @@
               <a:rPr lang="en-US" smtClean="0"/>
               <a:t>‹#›</a:t>
             </a:fld>
-            <a:endParaRPr lang="en-US" dirty="0"/>
+            <a:endParaRPr lang="en-US"/>
           </a:p>
         </p:txBody>
       </p:sp>
@@ -12838,7 +13259,6 @@
               <a:rPr lang="en-US"/>
               <a:t>Click to edit Master title style</a:t>
             </a:r>
-            <a:endParaRPr lang="en-US" dirty="0"/>
           </a:p>
         </p:txBody>
       </p:sp>
@@ -13482,7 +13902,6 @@
               <a:rPr lang="en-US"/>
               <a:t>Click icon to add picture</a:t>
             </a:r>
-            <a:endParaRPr lang="en-US" dirty="0"/>
           </a:p>
         </p:txBody>
       </p:sp>
@@ -13516,7 +13935,7 @@
           </a:lstStyle>
           <a:p>
             <a:r>
-              <a:rPr lang="en-US" dirty="0"/>
+              <a:rPr lang="en-US"/>
               <a:t>20XX</a:t>
             </a:r>
           </a:p>
@@ -13552,7 +13971,7 @@
           </a:lstStyle>
           <a:p>
             <a:r>
-              <a:rPr lang="en-US" dirty="0"/>
+              <a:rPr lang="en-US"/>
               <a:t>Pitch deck title</a:t>
             </a:r>
           </a:p>
@@ -13592,7 +14011,7 @@
               <a:pPr/>
               <a:t>‹#›</a:t>
             </a:fld>
-            <a:endParaRPr lang="en-US" dirty="0"/>
+            <a:endParaRPr lang="en-US"/>
           </a:p>
         </p:txBody>
       </p:sp>
@@ -13667,7 +14086,6 @@
               <a:rPr lang="en-US"/>
               <a:t>Click to edit Master title style</a:t>
             </a:r>
-            <a:endParaRPr lang="en-US" dirty="0"/>
           </a:p>
         </p:txBody>
       </p:sp>
@@ -13704,7 +14122,6 @@
               <a:rPr lang="en-US"/>
               <a:t>Click icon to add picture</a:t>
             </a:r>
-            <a:endParaRPr lang="en-US" dirty="0"/>
           </a:p>
         </p:txBody>
       </p:sp>
@@ -14330,7 +14747,7 @@
           <a:lstStyle/>
           <a:p>
             <a:r>
-              <a:rPr lang="en-US" dirty="0"/>
+              <a:rPr lang="en-US"/>
               <a:t>20XX</a:t>
             </a:r>
           </a:p>
@@ -14367,7 +14784,7 @@
           </a:lstStyle>
           <a:p>
             <a:r>
-              <a:rPr lang="en-US" dirty="0"/>
+              <a:rPr lang="en-US"/>
               <a:t>Pitch deck title</a:t>
             </a:r>
           </a:p>
@@ -14403,7 +14820,7 @@
               <a:rPr lang="en-US" smtClean="0"/>
               <a:t>‹#›</a:t>
             </a:fld>
-            <a:endParaRPr lang="en-US" dirty="0"/>
+            <a:endParaRPr lang="en-US"/>
           </a:p>
         </p:txBody>
       </p:sp>
@@ -14490,7 +14907,7 @@
           <a:lstStyle/>
           <a:p>
             <a:pPr algn="ctr"/>
-            <a:endParaRPr lang="en-US" dirty="0"/>
+            <a:endParaRPr lang="en-US"/>
           </a:p>
         </p:txBody>
       </p:sp>
@@ -14535,7 +14952,6 @@
               <a:rPr lang="en-US"/>
               <a:t>Click to edit Master title style</a:t>
             </a:r>
-            <a:endParaRPr lang="en-US" dirty="0"/>
           </a:p>
         </p:txBody>
       </p:sp>
@@ -14572,7 +14988,6 @@
               <a:rPr lang="en-US"/>
               <a:t>Click icon to add picture</a:t>
             </a:r>
-            <a:endParaRPr lang="en-US" dirty="0"/>
           </a:p>
         </p:txBody>
       </p:sp>
@@ -15203,7 +15618,7 @@
           <a:lstStyle/>
           <a:p>
             <a:r>
-              <a:rPr lang="en-US" dirty="0"/>
+              <a:rPr lang="en-US"/>
               <a:t>20XX</a:t>
             </a:r>
           </a:p>
@@ -15240,7 +15655,7 @@
           </a:lstStyle>
           <a:p>
             <a:r>
-              <a:rPr lang="en-US" dirty="0"/>
+              <a:rPr lang="en-US"/>
               <a:t>Pitch deck title</a:t>
             </a:r>
           </a:p>
@@ -15276,7 +15691,7 @@
               <a:rPr lang="en-US" smtClean="0"/>
               <a:t>‹#›</a:t>
             </a:fld>
-            <a:endParaRPr lang="en-US" dirty="0"/>
+            <a:endParaRPr lang="en-US"/>
           </a:p>
         </p:txBody>
       </p:sp>
@@ -15363,7 +15778,7 @@
           <a:lstStyle/>
           <a:p>
             <a:pPr algn="ctr"/>
-            <a:endParaRPr lang="en-US" dirty="0"/>
+            <a:endParaRPr lang="en-US"/>
           </a:p>
         </p:txBody>
       </p:sp>
@@ -15408,7 +15823,6 @@
               <a:rPr lang="en-US"/>
               <a:t>Click to edit Master title style</a:t>
             </a:r>
-            <a:endParaRPr lang="en-US" dirty="0"/>
           </a:p>
         </p:txBody>
       </p:sp>
@@ -15445,7 +15859,6 @@
               <a:rPr lang="en-US"/>
               <a:t>Click icon to add picture</a:t>
             </a:r>
-            <a:endParaRPr lang="en-US" dirty="0"/>
           </a:p>
         </p:txBody>
       </p:sp>
@@ -15586,7 +15999,6 @@
               <a:rPr lang="en-US"/>
               <a:t>Fifth level</a:t>
             </a:r>
-            <a:endParaRPr lang="en-US" dirty="0"/>
           </a:p>
         </p:txBody>
       </p:sp>
@@ -15612,7 +16024,7 @@
           <a:lstStyle/>
           <a:p>
             <a:r>
-              <a:rPr lang="en-US" dirty="0"/>
+              <a:rPr lang="en-US"/>
               <a:t>20XX</a:t>
             </a:r>
           </a:p>
@@ -15640,7 +16052,7 @@
           <a:lstStyle/>
           <a:p>
             <a:r>
-              <a:rPr lang="en-US" dirty="0"/>
+              <a:rPr lang="en-US"/>
               <a:t>Pitch deck title</a:t>
             </a:r>
           </a:p>
@@ -15671,7 +16083,7 @@
               <a:rPr lang="en-US" smtClean="0"/>
               <a:t>‹#›</a:t>
             </a:fld>
-            <a:endParaRPr lang="en-US" dirty="0"/>
+            <a:endParaRPr lang="en-US"/>
           </a:p>
         </p:txBody>
       </p:sp>
@@ -15754,7 +16166,6 @@
               <a:rPr lang="en-US"/>
               <a:t>Click icon to add picture</a:t>
             </a:r>
-            <a:endParaRPr lang="en-US" dirty="0"/>
           </a:p>
         </p:txBody>
       </p:sp>
@@ -15803,7 +16214,7 @@
           </a:lstStyle>
           <a:p>
             <a:r>
-              <a:rPr lang="en-US" dirty="0"/>
+              <a:rPr lang="en-US"/>
               <a:t>Click to add title</a:t>
             </a:r>
           </a:p>
@@ -15875,7 +16286,7 @@
               <a:rPr lang="en-US"/>
               <a:t>Click to edit Master title style</a:t>
             </a:r>
-            <a:endParaRPr lang="en-ZA" dirty="0"/>
+            <a:endParaRPr lang="en-ZA"/>
           </a:p>
         </p:txBody>
       </p:sp>
@@ -15949,7 +16360,7 @@
               <a:rPr lang="en-US"/>
               <a:t>Click icon to add picture</a:t>
             </a:r>
-            <a:endParaRPr lang="en-ZA" dirty="0"/>
+            <a:endParaRPr lang="en-ZA"/>
           </a:p>
         </p:txBody>
       </p:sp>
@@ -15994,10 +16405,10 @@
           <a:p>
             <a:pPr lvl="0"/>
             <a:r>
-              <a:rPr lang="en-US" dirty="0"/>
+              <a:rPr lang="en-US"/>
               <a:t>Bullet 2</a:t>
             </a:r>
-            <a:endParaRPr lang="en-ZA" dirty="0"/>
+            <a:endParaRPr lang="en-ZA"/>
           </a:p>
         </p:txBody>
       </p:sp>
@@ -16047,10 +16458,10 @@
           <a:p>
             <a:pPr lvl="0"/>
             <a:r>
-              <a:rPr lang="en-US" dirty="0"/>
+              <a:rPr lang="en-US"/>
               <a:t>Bullet Description</a:t>
             </a:r>
-            <a:endParaRPr lang="en-ZA" dirty="0"/>
+            <a:endParaRPr lang="en-ZA"/>
           </a:p>
         </p:txBody>
       </p:sp>
@@ -16124,7 +16535,7 @@
               <a:rPr lang="en-US"/>
               <a:t>Click icon to add picture</a:t>
             </a:r>
-            <a:endParaRPr lang="en-ZA" dirty="0"/>
+            <a:endParaRPr lang="en-ZA"/>
           </a:p>
         </p:txBody>
       </p:sp>
@@ -16169,10 +16580,10 @@
           <a:p>
             <a:pPr lvl="0"/>
             <a:r>
-              <a:rPr lang="en-US" dirty="0"/>
+              <a:rPr lang="en-US"/>
               <a:t>Bullet 3</a:t>
             </a:r>
-            <a:endParaRPr lang="en-ZA" dirty="0"/>
+            <a:endParaRPr lang="en-ZA"/>
           </a:p>
         </p:txBody>
       </p:sp>
@@ -16222,10 +16633,10 @@
           <a:p>
             <a:pPr lvl="0"/>
             <a:r>
-              <a:rPr lang="en-US" dirty="0"/>
+              <a:rPr lang="en-US"/>
               <a:t>Bullet Description</a:t>
             </a:r>
-            <a:endParaRPr lang="en-ZA" dirty="0"/>
+            <a:endParaRPr lang="en-ZA"/>
           </a:p>
         </p:txBody>
       </p:sp>
@@ -16299,7 +16710,7 @@
               <a:rPr lang="en-US"/>
               <a:t>Click icon to add picture</a:t>
             </a:r>
-            <a:endParaRPr lang="en-ZA" dirty="0"/>
+            <a:endParaRPr lang="en-ZA"/>
           </a:p>
         </p:txBody>
       </p:sp>
@@ -16344,10 +16755,10 @@
           <a:p>
             <a:pPr lvl="0"/>
             <a:r>
-              <a:rPr lang="en-US" dirty="0"/>
+              <a:rPr lang="en-US"/>
               <a:t>Bullet 4</a:t>
             </a:r>
-            <a:endParaRPr lang="en-ZA" dirty="0"/>
+            <a:endParaRPr lang="en-ZA"/>
           </a:p>
         </p:txBody>
       </p:sp>
@@ -16397,10 +16808,10 @@
           <a:p>
             <a:pPr lvl="0"/>
             <a:r>
-              <a:rPr lang="en-US" dirty="0"/>
+              <a:rPr lang="en-US"/>
               <a:t>Bullet Description</a:t>
             </a:r>
-            <a:endParaRPr lang="en-ZA" dirty="0"/>
+            <a:endParaRPr lang="en-ZA"/>
           </a:p>
         </p:txBody>
       </p:sp>
@@ -16431,7 +16842,7 @@
           <a:lstStyle/>
           <a:p>
             <a:r>
-              <a:rPr lang="en-US" dirty="0"/>
+              <a:rPr lang="en-US"/>
               <a:t>20XX</a:t>
             </a:r>
           </a:p>
@@ -16470,7 +16881,7 @@
           </a:lstStyle>
           <a:p>
             <a:r>
-              <a:rPr lang="en-ZA" dirty="0"/>
+              <a:rPr lang="en-ZA"/>
               <a:t>Pitch deck title</a:t>
             </a:r>
           </a:p>
@@ -16513,7 +16924,7 @@
               <a:pPr/>
               <a:t>‹#›</a:t>
             </a:fld>
-            <a:endParaRPr lang="en-ZA" dirty="0"/>
+            <a:endParaRPr lang="en-ZA"/>
           </a:p>
         </p:txBody>
       </p:sp>
@@ -16581,7 +16992,6 @@
               <a:rPr lang="en-US"/>
               <a:t>Click to edit Master title style</a:t>
             </a:r>
-            <a:endParaRPr lang="en-US" dirty="0"/>
           </a:p>
         </p:txBody>
       </p:sp>
@@ -16755,7 +17165,6 @@
               <a:rPr lang="en-US"/>
               <a:t>Fifth level</a:t>
             </a:r>
-            <a:endParaRPr lang="en-US" dirty="0"/>
           </a:p>
         </p:txBody>
       </p:sp>
@@ -16966,7 +17375,6 @@
               <a:rPr lang="en-US"/>
               <a:t>Click icon to add picture</a:t>
             </a:r>
-            <a:endParaRPr lang="en-US" dirty="0"/>
           </a:p>
         </p:txBody>
       </p:sp>
@@ -17000,7 +17408,7 @@
           </a:lstStyle>
           <a:p>
             <a:r>
-              <a:rPr lang="en-US" dirty="0"/>
+              <a:rPr lang="en-US"/>
               <a:t>20XX</a:t>
             </a:r>
           </a:p>
@@ -17036,7 +17444,7 @@
           </a:lstStyle>
           <a:p>
             <a:r>
-              <a:rPr lang="en-US" dirty="0"/>
+              <a:rPr lang="en-US"/>
               <a:t>Pitch deck title</a:t>
             </a:r>
           </a:p>
@@ -17076,7 +17484,7 @@
               <a:pPr/>
               <a:t>‹#›</a:t>
             </a:fld>
-            <a:endParaRPr lang="en-US" dirty="0"/>
+            <a:endParaRPr lang="en-US"/>
           </a:p>
         </p:txBody>
       </p:sp>
@@ -17150,7 +17558,6 @@
               <a:rPr lang="en-US"/>
               <a:t>Click to edit Master title style</a:t>
             </a:r>
-            <a:endParaRPr lang="en-US" dirty="0"/>
           </a:p>
         </p:txBody>
       </p:sp>
@@ -17261,7 +17668,7 @@
           </a:lstStyle>
           <a:p>
             <a:r>
-              <a:rPr lang="en-US" dirty="0"/>
+              <a:rPr lang="en-US"/>
               <a:t>20XX</a:t>
             </a:r>
           </a:p>
@@ -17307,7 +17714,7 @@
           </a:lstStyle>
           <a:p>
             <a:r>
-              <a:rPr lang="en-US" dirty="0"/>
+              <a:rPr lang="en-US"/>
               <a:t>Pitch deck title</a:t>
             </a:r>
           </a:p>
@@ -17357,7 +17764,7 @@
               <a:pPr/>
               <a:t>‹#›</a:t>
             </a:fld>
-            <a:endParaRPr lang="en-US" dirty="0"/>
+            <a:endParaRPr lang="en-US"/>
           </a:p>
         </p:txBody>
       </p:sp>
@@ -17815,10 +18222,9 @@
           <a:lstStyle/>
           <a:p>
             <a:r>
-              <a:rPr lang="en-US" dirty="0" err="1"/>
-              <a:t>SoftwareBooksList</a:t>
-            </a:r>
-            <a:endParaRPr lang="en-US" dirty="0"/>
+              <a:rPr lang="en-US" err="1"/>
+              <a:t>SoftwareBookList</a:t>
+            </a:r>
           </a:p>
         </p:txBody>
       </p:sp>
@@ -17851,7 +18257,7 @@
           <a:lstStyle/>
           <a:p>
             <a:r>
-              <a:rPr lang="en-US" dirty="0"/>
+              <a:rPr lang="en-US"/>
               <a:t>By: Kennen, Tou, and Shaun</a:t>
             </a:r>
           </a:p>
@@ -17914,7 +18320,7 @@
           <a:lstStyle/>
           <a:p>
             <a:r>
-              <a:rPr lang="en-US" dirty="0"/>
+              <a:rPr lang="en-US"/>
               <a:t>Issues/Resolved Issues</a:t>
             </a:r>
           </a:p>
@@ -17950,9 +18356,8 @@
           <a:p>
             <a:r>
               <a:rPr lang="en-US"/>
-              <a:t>Market gap</a:t>
-            </a:r>
-            <a:endParaRPr lang="en-US" dirty="0"/>
+              <a:t>Profile Picture</a:t>
+            </a:r>
           </a:p>
         </p:txBody>
       </p:sp>
@@ -17983,8 +18388,8 @@
           <a:lstStyle/>
           <a:p>
             <a:r>
-              <a:rPr lang="en-US" dirty="0"/>
-              <a:t>Financials</a:t>
+              <a:rPr lang="en-US"/>
+              <a:t>Load speed of our Books Page </a:t>
             </a:r>
           </a:p>
         </p:txBody>
@@ -18012,37 +18417,131 @@
           </a:xfrm>
         </p:spPr>
         <p:txBody>
+          <a:bodyPr vert="horz" lIns="91440" tIns="45720" rIns="91440" bIns="45720" rtlCol="0" anchor="t">
+            <a:noAutofit/>
+          </a:bodyPr>
+          <a:lstStyle/>
+          <a:p>
+            <a:pPr marL="285750" indent="-285750">
+              <a:lnSpc>
+                <a:spcPct val="100000"/>
+              </a:lnSpc>
+              <a:buChar char="•"/>
+            </a:pPr>
+            <a:r>
+              <a:rPr lang="en-US">
+                <a:ea typeface="Source Sans Pro Light"/>
+              </a:rPr>
+              <a:t>We had issues with adding profile pictures when editing the user profile</a:t>
+            </a:r>
+          </a:p>
+        </p:txBody>
+      </p:sp>
+      <p:sp>
+        <p:nvSpPr>
+          <p:cNvPr id="13" name="Text Placeholder 12">
+            <a:extLst>
+              <a:ext uri="{FF2B5EF4-FFF2-40B4-BE49-F238E27FC236}">
+                <a16:creationId xmlns:a16="http://schemas.microsoft.com/office/drawing/2014/main" id="{8BF88255-7F56-4B30-96C2-60927A377B40}"/>
+              </a:ext>
+            </a:extLst>
+          </p:cNvPr>
+          <p:cNvSpPr>
+            <a:spLocks noGrp="1"/>
+          </p:cNvSpPr>
+          <p:nvPr>
+            <p:ph type="body" sz="quarter" idx="15"/>
+          </p:nvPr>
+        </p:nvSpPr>
+        <p:spPr>
+          <a:xfrm>
+            <a:off x="6583887" y="2228563"/>
+            <a:ext cx="4114800" cy="914400"/>
+          </a:xfrm>
+        </p:spPr>
+        <p:txBody>
+          <a:bodyPr vert="horz" lIns="91440" tIns="45720" rIns="91440" bIns="45720" rtlCol="0" anchor="t">
+            <a:noAutofit/>
+          </a:bodyPr>
+          <a:lstStyle/>
+          <a:p>
+            <a:pPr marL="285750" indent="-285750">
+              <a:buFont typeface="Arial" panose="020B0604020202020204" pitchFamily="34" charset="0"/>
+              <a:buChar char="•"/>
+            </a:pPr>
+            <a:r>
+              <a:rPr lang="en-US"/>
+              <a:t>The speed at which the page loads is slow</a:t>
+            </a:r>
+          </a:p>
+          <a:p>
+            <a:pPr marL="285750" indent="-285750">
+              <a:buFont typeface="Arial" panose="020B0604020202020204" pitchFamily="34" charset="0"/>
+              <a:buChar char="•"/>
+            </a:pPr>
+            <a:r>
+              <a:rPr lang="en-US"/>
+              <a:t>Trying to decrease that time span is our goal</a:t>
+            </a:r>
+            <a:endParaRPr lang="en-US">
+              <a:ea typeface="Source Sans Pro Light"/>
+            </a:endParaRPr>
+          </a:p>
+        </p:txBody>
+      </p:sp>
+      <p:sp>
+        <p:nvSpPr>
+          <p:cNvPr id="14" name="Text Placeholder 13">
+            <a:extLst>
+              <a:ext uri="{FF2B5EF4-FFF2-40B4-BE49-F238E27FC236}">
+                <a16:creationId xmlns:a16="http://schemas.microsoft.com/office/drawing/2014/main" id="{D32255BC-C6D7-45F4-AA99-1EBC2D1ABC4D}"/>
+              </a:ext>
+            </a:extLst>
+          </p:cNvPr>
+          <p:cNvSpPr>
+            <a:spLocks noGrp="1"/>
+          </p:cNvSpPr>
+          <p:nvPr>
+            <p:ph type="body" idx="16"/>
+          </p:nvPr>
+        </p:nvSpPr>
+        <p:spPr>
+          <a:xfrm>
+            <a:off x="1518687" y="3608720"/>
+            <a:ext cx="4114800" cy="457200"/>
+          </a:xfrm>
+        </p:spPr>
+        <p:txBody>
           <a:bodyPr/>
           <a:lstStyle/>
           <a:p>
             <a:r>
               <a:rPr lang="en-US"/>
-              <a:t>Few, if any, products on the market help customers like we do</a:t>
-            </a:r>
-            <a:endParaRPr lang="en-US" dirty="0"/>
-          </a:p>
-        </p:txBody>
-      </p:sp>
-      <p:sp>
-        <p:nvSpPr>
-          <p:cNvPr id="13" name="Text Placeholder 12">
-            <a:extLst>
-              <a:ext uri="{FF2B5EF4-FFF2-40B4-BE49-F238E27FC236}">
-                <a16:creationId xmlns:a16="http://schemas.microsoft.com/office/drawing/2014/main" id="{8BF88255-7F56-4B30-96C2-60927A377B40}"/>
-              </a:ext>
-            </a:extLst>
-          </p:cNvPr>
-          <p:cNvSpPr>
-            <a:spLocks noGrp="1"/>
-          </p:cNvSpPr>
-          <p:nvPr>
-            <p:ph type="body" sz="quarter" idx="15"/>
-          </p:nvPr>
-        </p:nvSpPr>
-        <p:spPr>
-          <a:xfrm>
-            <a:off x="6573892" y="2337741"/>
-            <a:ext cx="4114800" cy="914400"/>
+              <a:t>Rating of Books</a:t>
+            </a:r>
+          </a:p>
+        </p:txBody>
+      </p:sp>
+      <p:sp>
+        <p:nvSpPr>
+          <p:cNvPr id="15" name="Text Placeholder 14">
+            <a:extLst>
+              <a:ext uri="{FF2B5EF4-FFF2-40B4-BE49-F238E27FC236}">
+                <a16:creationId xmlns:a16="http://schemas.microsoft.com/office/drawing/2014/main" id="{95C519DA-06A3-4391-AAF4-8C7122770C3E}"/>
+              </a:ext>
+            </a:extLst>
+          </p:cNvPr>
+          <p:cNvSpPr>
+            <a:spLocks noGrp="1"/>
+          </p:cNvSpPr>
+          <p:nvPr>
+            <p:ph type="body" sz="quarter" idx="17"/>
+          </p:nvPr>
+        </p:nvSpPr>
+        <p:spPr>
+          <a:xfrm>
+            <a:off x="6583887" y="3571222"/>
+            <a:ext cx="4114800" cy="457200"/>
           </a:xfrm>
         </p:spPr>
         <p:txBody>
@@ -18051,75 +18550,7 @@
           <a:p>
             <a:r>
               <a:rPr lang="en-US"/>
-              <a:t>Millennials account for about a quarter of the $48 billion spent on other products in 2018</a:t>
-            </a:r>
-            <a:endParaRPr lang="en-US" dirty="0"/>
-          </a:p>
-        </p:txBody>
-      </p:sp>
-      <p:sp>
-        <p:nvSpPr>
-          <p:cNvPr id="14" name="Text Placeholder 13">
-            <a:extLst>
-              <a:ext uri="{FF2B5EF4-FFF2-40B4-BE49-F238E27FC236}">
-                <a16:creationId xmlns:a16="http://schemas.microsoft.com/office/drawing/2014/main" id="{D32255BC-C6D7-45F4-AA99-1EBC2D1ABC4D}"/>
-              </a:ext>
-            </a:extLst>
-          </p:cNvPr>
-          <p:cNvSpPr>
-            <a:spLocks noGrp="1"/>
-          </p:cNvSpPr>
-          <p:nvPr>
-            <p:ph type="body" idx="16"/>
-          </p:nvPr>
-        </p:nvSpPr>
-        <p:spPr>
-          <a:xfrm>
-            <a:off x="1518687" y="3608720"/>
-            <a:ext cx="4114800" cy="457200"/>
-          </a:xfrm>
-        </p:spPr>
-        <p:txBody>
-          <a:bodyPr/>
-          <a:lstStyle/>
-          <a:p>
-            <a:r>
-              <a:rPr lang="en-US"/>
-              <a:t>Customers</a:t>
-            </a:r>
-            <a:endParaRPr lang="en-US" dirty="0"/>
-          </a:p>
-        </p:txBody>
-      </p:sp>
-      <p:sp>
-        <p:nvSpPr>
-          <p:cNvPr id="15" name="Text Placeholder 14">
-            <a:extLst>
-              <a:ext uri="{FF2B5EF4-FFF2-40B4-BE49-F238E27FC236}">
-                <a16:creationId xmlns:a16="http://schemas.microsoft.com/office/drawing/2014/main" id="{95C519DA-06A3-4391-AAF4-8C7122770C3E}"/>
-              </a:ext>
-            </a:extLst>
-          </p:cNvPr>
-          <p:cNvSpPr>
-            <a:spLocks noGrp="1"/>
-          </p:cNvSpPr>
-          <p:nvPr>
-            <p:ph type="body" sz="quarter" idx="17"/>
-          </p:nvPr>
-        </p:nvSpPr>
-        <p:spPr>
-          <a:xfrm>
-            <a:off x="6583887" y="3571222"/>
-            <a:ext cx="4114800" cy="457200"/>
-          </a:xfrm>
-        </p:spPr>
-        <p:txBody>
-          <a:bodyPr/>
-          <a:lstStyle/>
-          <a:p>
-            <a:r>
-              <a:rPr lang="en-US" dirty="0"/>
-              <a:t>Costs</a:t>
+              <a:t>Books Page &amp; Books DB</a:t>
             </a:r>
           </a:p>
         </p:txBody>
@@ -18147,14 +18578,40 @@
           </a:xfrm>
         </p:spPr>
         <p:txBody>
-          <a:bodyPr/>
+          <a:bodyPr vert="horz" lIns="91440" tIns="45720" rIns="91440" bIns="45720" rtlCol="0" anchor="t">
+            <a:noAutofit/>
+          </a:bodyPr>
           <a:lstStyle/>
           <a:p>
-            <a:r>
-              <a:rPr lang="en-US"/>
-              <a:t>66% of US consumers spend money on multiple products that only partially resolves their issue</a:t>
-            </a:r>
-            <a:endParaRPr lang="en-US" dirty="0"/>
+            <a:pPr marL="285750" indent="-285750">
+              <a:buFont typeface="Arial" panose="020B0604020202020204" pitchFamily="34" charset="0"/>
+              <a:buChar char="•"/>
+            </a:pPr>
+            <a:r>
+              <a:rPr lang="en-US"/>
+              <a:t>Before adding the ratings to the books, we had issues deciding on where to start</a:t>
+            </a:r>
+          </a:p>
+          <a:p>
+            <a:pPr marL="285750" indent="-285750">
+              <a:buFont typeface="Arial" panose="020B0604020202020204" pitchFamily="34" charset="0"/>
+              <a:buChar char="•"/>
+            </a:pPr>
+            <a:r>
+              <a:rPr lang="en-US"/>
+              <a:t>Also ran into an issue with the pagination </a:t>
+            </a:r>
+            <a:r>
+              <a:rPr lang="en-US" err="1"/>
+              <a:t>IQueryable</a:t>
+            </a:r>
+            <a:r>
+              <a:rPr lang="en-US"/>
+              <a:t> </a:t>
+            </a:r>
+            <a:endParaRPr lang="en-US">
+              <a:ea typeface="Source Sans Pro Light"/>
+            </a:endParaRPr>
           </a:p>
         </p:txBody>
       </p:sp>
@@ -18176,19 +18633,57 @@
         </p:nvSpPr>
         <p:spPr>
           <a:xfrm>
-            <a:off x="6583887" y="4034125"/>
-            <a:ext cx="4114800" cy="914400"/>
-          </a:xfrm>
-        </p:spPr>
-        <p:txBody>
-          <a:bodyPr/>
+            <a:off x="6574595" y="4034125"/>
+            <a:ext cx="4124092" cy="1527717"/>
+          </a:xfrm>
+        </p:spPr>
+        <p:txBody>
+          <a:bodyPr vert="horz" lIns="91440" tIns="45720" rIns="91440" bIns="45720" rtlCol="0" anchor="t">
+            <a:noAutofit/>
+          </a:bodyPr>
           <a:lstStyle/>
           <a:p>
-            <a:r>
-              <a:rPr lang="en-US"/>
-              <a:t>Loss of productivity costing consumers thousands of dollars </a:t>
-            </a:r>
-            <a:endParaRPr lang="en-US" dirty="0"/>
+            <a:pPr marL="285750" indent="-285750">
+              <a:lnSpc>
+                <a:spcPct val="100000"/>
+              </a:lnSpc>
+              <a:buChar char="•"/>
+            </a:pPr>
+            <a:r>
+              <a:rPr lang="en-US">
+                <a:ea typeface="Source Sans Pro Light"/>
+              </a:rPr>
+              <a:t>Pagination</a:t>
+            </a:r>
+            <a:endParaRPr lang="en-US"/>
+          </a:p>
+          <a:p>
+            <a:pPr marL="285750" indent="-285750">
+              <a:lnSpc>
+                <a:spcPct val="100000"/>
+              </a:lnSpc>
+              <a:buChar char="•"/>
+            </a:pPr>
+            <a:r>
+              <a:rPr lang="en-US">
+                <a:ea typeface="Source Sans Pro Light"/>
+              </a:rPr>
+              <a:t>Added text entry for adding books to DB</a:t>
+            </a:r>
+          </a:p>
+          <a:p>
+            <a:pPr marL="285750" indent="-285750">
+              <a:lnSpc>
+                <a:spcPct val="100000"/>
+              </a:lnSpc>
+              <a:buChar char="•"/>
+            </a:pPr>
+            <a:r>
+              <a:rPr lang="en-US">
+                <a:ea typeface="Source Sans Pro Light"/>
+              </a:rPr>
+              <a:t>Made it so you can't add a duplicate book to the database</a:t>
+            </a:r>
           </a:p>
         </p:txBody>
       </p:sp>
@@ -18226,109 +18721,6 @@
           </a:xfrm>
         </p:spPr>
       </p:pic>
-      <p:sp>
-        <p:nvSpPr>
-          <p:cNvPr id="44" name="Date Placeholder 43">
-            <a:extLst>
-              <a:ext uri="{FF2B5EF4-FFF2-40B4-BE49-F238E27FC236}">
-                <a16:creationId xmlns:a16="http://schemas.microsoft.com/office/drawing/2014/main" id="{61DE0949-C611-4117-B02A-4967EA7F75CB}"/>
-              </a:ext>
-            </a:extLst>
-          </p:cNvPr>
-          <p:cNvSpPr>
-            <a:spLocks noGrp="1"/>
-          </p:cNvSpPr>
-          <p:nvPr>
-            <p:ph type="dt" sz="half" idx="10"/>
-          </p:nvPr>
-        </p:nvSpPr>
-        <p:spPr>
-          <a:xfrm>
-            <a:off x="838200" y="6356350"/>
-            <a:ext cx="2743200" cy="365125"/>
-          </a:xfrm>
-        </p:spPr>
-        <p:txBody>
-          <a:bodyPr/>
-          <a:lstStyle/>
-          <a:p>
-            <a:r>
-              <a:rPr lang="en-US"/>
-              <a:t>20XX</a:t>
-            </a:r>
-            <a:endParaRPr lang="en-US" dirty="0"/>
-          </a:p>
-        </p:txBody>
-      </p:sp>
-      <p:sp>
-        <p:nvSpPr>
-          <p:cNvPr id="45" name="Footer Placeholder 44">
-            <a:extLst>
-              <a:ext uri="{FF2B5EF4-FFF2-40B4-BE49-F238E27FC236}">
-                <a16:creationId xmlns:a16="http://schemas.microsoft.com/office/drawing/2014/main" id="{6F1B995D-1532-48CE-A2C5-425EE1771DD6}"/>
-              </a:ext>
-            </a:extLst>
-          </p:cNvPr>
-          <p:cNvSpPr>
-            <a:spLocks noGrp="1"/>
-          </p:cNvSpPr>
-          <p:nvPr>
-            <p:ph type="ftr" sz="quarter" idx="11"/>
-          </p:nvPr>
-        </p:nvSpPr>
-        <p:spPr>
-          <a:xfrm>
-            <a:off x="4038600" y="6356350"/>
-            <a:ext cx="4114800" cy="365125"/>
-          </a:xfrm>
-        </p:spPr>
-        <p:txBody>
-          <a:bodyPr/>
-          <a:lstStyle/>
-          <a:p>
-            <a:r>
-              <a:rPr lang="en-US"/>
-              <a:t>Pitch deck title</a:t>
-            </a:r>
-            <a:endParaRPr lang="en-US" dirty="0"/>
-          </a:p>
-        </p:txBody>
-      </p:sp>
-      <p:sp>
-        <p:nvSpPr>
-          <p:cNvPr id="46" name="Slide Number Placeholder 45">
-            <a:extLst>
-              <a:ext uri="{FF2B5EF4-FFF2-40B4-BE49-F238E27FC236}">
-                <a16:creationId xmlns:a16="http://schemas.microsoft.com/office/drawing/2014/main" id="{B057FC65-DE77-429F-8B3E-E77AD3578B92}"/>
-              </a:ext>
-            </a:extLst>
-          </p:cNvPr>
-          <p:cNvSpPr>
-            <a:spLocks noGrp="1"/>
-          </p:cNvSpPr>
-          <p:nvPr>
-            <p:ph type="sldNum" sz="quarter" idx="12"/>
-          </p:nvPr>
-        </p:nvSpPr>
-        <p:spPr>
-          <a:xfrm>
-            <a:off x="8610600" y="6356350"/>
-            <a:ext cx="2743200" cy="365125"/>
-          </a:xfrm>
-        </p:spPr>
-        <p:txBody>
-          <a:bodyPr/>
-          <a:lstStyle/>
-          <a:p>
-            <a:fld id="{B5CEABB6-07DC-46E8-9B57-56EC44A396E5}" type="slidenum">
-              <a:rPr lang="en-US" smtClean="0"/>
-              <a:pPr/>
-              <a:t>2</a:t>
-            </a:fld>
-            <a:endParaRPr lang="en-US" dirty="0"/>
-          </a:p>
-        </p:txBody>
-      </p:sp>
     </p:spTree>
     <p:extLst>
       <p:ext uri="{BB962C8B-B14F-4D97-AF65-F5344CB8AC3E}">
@@ -18386,7 +18778,7 @@
           <a:lstStyle/>
           <a:p>
             <a:r>
-              <a:rPr lang="en-US" dirty="0"/>
+              <a:rPr lang="en-US"/>
               <a:t>Next Sprint Goals</a:t>
             </a:r>
           </a:p>
@@ -18416,13 +18808,13 @@
         </p:spPr>
         <p:txBody>
           <a:bodyPr vert="horz" lIns="91440" tIns="45720" rIns="91440" bIns="45720" rtlCol="0" anchor="b">
-            <a:normAutofit/>
+            <a:noAutofit/>
           </a:bodyPr>
           <a:lstStyle/>
           <a:p>
             <a:r>
-              <a:rPr lang="en-ZA" dirty="0"/>
-              <a:t>Unique</a:t>
+              <a:rPr lang="en-ZA"/>
+              <a:t>Polishing up Account</a:t>
             </a:r>
           </a:p>
         </p:txBody>
@@ -18450,16 +18842,36 @@
           </a:xfrm>
         </p:spPr>
         <p:txBody>
-          <a:bodyPr/>
+          <a:bodyPr vert="horz" lIns="91440" tIns="45720" rIns="91440" bIns="45720" rtlCol="0" anchor="t">
+            <a:noAutofit/>
+          </a:bodyPr>
           <a:lstStyle/>
           <a:p>
-            <a:r>
-              <a:rPr lang="en-ZA" dirty="0"/>
-              <a:t>Only product specifically dedicated to this niche market</a:t>
-            </a:r>
-          </a:p>
-          <a:p>
-            <a:endParaRPr lang="en-US" dirty="0"/>
+            <a:pPr marL="285750" indent="-285750">
+              <a:buChar char="•"/>
+            </a:pPr>
+            <a:r>
+              <a:rPr lang="en-ZA">
+                <a:ea typeface="Source Sans Pro Light"/>
+              </a:rPr>
+              <a:t>Changing Edit Forum</a:t>
+            </a:r>
+          </a:p>
+          <a:p>
+            <a:pPr marL="285750" indent="-285750">
+              <a:buChar char="•"/>
+            </a:pPr>
+            <a:r>
+              <a:rPr lang="en-ZA">
+                <a:ea typeface="Source Sans Pro Light"/>
+              </a:rPr>
+              <a:t>Make it accept nullable values</a:t>
+            </a:r>
+          </a:p>
+          <a:p>
+            <a:endParaRPr lang="en-US">
+              <a:ea typeface="Source Sans Pro Light"/>
+            </a:endParaRPr>
           </a:p>
         </p:txBody>
       </p:sp>
@@ -18487,15 +18899,15 @@
         </p:spPr>
         <p:txBody>
           <a:bodyPr>
-            <a:normAutofit/>
+            <a:noAutofit/>
           </a:bodyPr>
           <a:lstStyle/>
           <a:p>
             <a:r>
-              <a:rPr lang="en-ZA" dirty="0"/>
-              <a:t>First to market</a:t>
-            </a:r>
-            <a:endParaRPr lang="en-US" dirty="0"/>
+              <a:rPr lang="en-ZA"/>
+              <a:t>Potential style Changes</a:t>
+            </a:r>
+            <a:endParaRPr lang="en-US"/>
           </a:p>
         </p:txBody>
       </p:sp>
@@ -18517,21 +18929,40 @@
         </p:nvSpPr>
         <p:spPr>
           <a:xfrm>
-            <a:off x="719917" y="4319794"/>
-            <a:ext cx="2286000" cy="1371600"/>
-          </a:xfrm>
-        </p:spPr>
-        <p:txBody>
-          <a:bodyPr/>
+            <a:off x="710625" y="4310502"/>
+            <a:ext cx="2286000" cy="1966331"/>
+          </a:xfrm>
+        </p:spPr>
+        <p:txBody>
+          <a:bodyPr vert="horz" lIns="91440" tIns="45720" rIns="91440" bIns="45720" rtlCol="0" anchor="t">
+            <a:noAutofit/>
+          </a:bodyPr>
           <a:lstStyle/>
           <a:p>
-            <a:r>
-              <a:rPr lang="en-ZA" dirty="0"/>
-              <a:t> First beautifully designed product that's both stylish and functional</a:t>
-            </a:r>
-          </a:p>
-          <a:p>
-            <a:endParaRPr lang="en-US" dirty="0"/>
+            <a:pPr marL="285750" indent="-285750">
+              <a:buFont typeface="Arial" panose="020B0604020202020204" pitchFamily="34" charset="0"/>
+              <a:buChar char="•"/>
+            </a:pPr>
+            <a:r>
+              <a:rPr lang="en-ZA"/>
+              <a:t>Creating new styles or changing the current styling of our web pages </a:t>
+            </a:r>
+          </a:p>
+          <a:p>
+            <a:pPr marL="285750" indent="-285750">
+              <a:buFont typeface="Arial" panose="020B0604020202020204" pitchFamily="34" charset="0"/>
+              <a:buChar char="•"/>
+            </a:pPr>
+            <a:r>
+              <a:rPr lang="en-ZA"/>
+              <a:t>Modifying color palettes throughout the web application</a:t>
+            </a:r>
+            <a:endParaRPr lang="en-ZA">
+              <a:ea typeface="Source Sans Pro Light"/>
+            </a:endParaRPr>
+          </a:p>
+          <a:p>
+            <a:endParaRPr lang="en-US"/>
           </a:p>
         </p:txBody>
       </p:sp>
@@ -18559,15 +18990,18 @@
         </p:spPr>
         <p:txBody>
           <a:bodyPr>
-            <a:normAutofit/>
+            <a:noAutofit/>
           </a:bodyPr>
           <a:lstStyle/>
           <a:p>
             <a:r>
-              <a:rPr lang="en-ZA" dirty="0"/>
-              <a:t>Tested</a:t>
-            </a:r>
-            <a:endParaRPr lang="en-US" dirty="0"/>
+              <a:rPr lang="en-ZA"/>
+              <a:t>Adding more to </a:t>
+            </a:r>
+            <a:r>
+              <a:rPr lang="en-ZA" err="1"/>
+              <a:t>detailsBook</a:t>
+            </a:r>
           </a:p>
         </p:txBody>
       </p:sp>
@@ -18594,12 +19028,30 @@
           </a:xfrm>
         </p:spPr>
         <p:txBody>
-          <a:bodyPr/>
+          <a:bodyPr vert="horz" lIns="91440" tIns="45720" rIns="91440" bIns="45720" rtlCol="0" anchor="t">
+            <a:noAutofit/>
+          </a:bodyPr>
           <a:lstStyle/>
           <a:p>
-            <a:r>
-              <a:rPr lang="en-ZA" dirty="0"/>
-              <a:t>Conducted testing with college students in the area</a:t>
+            <a:pPr marL="285750" indent="-285750">
+              <a:buChar char="•"/>
+            </a:pPr>
+            <a:r>
+              <a:rPr lang="en-ZA">
+                <a:ea typeface="Source Sans Pro Light"/>
+              </a:rPr>
+              <a:t>Displaying information</a:t>
+            </a:r>
+          </a:p>
+          <a:p>
+            <a:pPr marL="285750" indent="-285750">
+              <a:buChar char="•"/>
+            </a:pPr>
+            <a:r>
+              <a:rPr lang="en-ZA">
+                <a:ea typeface="Source Sans Pro Light"/>
+              </a:rPr>
+              <a:t>Making sure everything is in rows and columns</a:t>
             </a:r>
           </a:p>
         </p:txBody>
@@ -18628,15 +19080,15 @@
         </p:spPr>
         <p:txBody>
           <a:bodyPr>
-            <a:normAutofit/>
+            <a:normAutofit fontScale="77500" lnSpcReduction="20000"/>
           </a:bodyPr>
           <a:lstStyle/>
           <a:p>
             <a:r>
-              <a:rPr lang="en-ZA" dirty="0"/>
-              <a:t>Authentic</a:t>
-            </a:r>
-            <a:endParaRPr lang="en-US" dirty="0"/>
+              <a:rPr lang="en-ZA"/>
+              <a:t>Book Details &amp; User scores </a:t>
+            </a:r>
+            <a:endParaRPr lang="en-US"/>
           </a:p>
         </p:txBody>
       </p:sp>
@@ -18663,13 +19115,42 @@
           </a:xfrm>
         </p:spPr>
         <p:txBody>
-          <a:bodyPr/>
+          <a:bodyPr vert="horz" lIns="91440" tIns="45720" rIns="91440" bIns="45720" rtlCol="0" anchor="t">
+            <a:noAutofit/>
+          </a:bodyPr>
           <a:lstStyle/>
           <a:p>
-            <a:r>
-              <a:rPr lang="en-ZA" dirty="0"/>
-              <a:t>Designed with the help and input of experts in the field </a:t>
-            </a:r>
+            <a:pPr marL="285750" indent="-285750">
+              <a:buFont typeface="Arial" panose="020B0604020202020204" pitchFamily="34" charset="0"/>
+              <a:buChar char="•"/>
+            </a:pPr>
+            <a:r>
+              <a:rPr lang="en-ZA">
+                <a:ea typeface="Source Sans Pro Light"/>
+              </a:rPr>
+              <a:t>Displaying all the info from the Google Books API in a nice way for the user</a:t>
+            </a:r>
+          </a:p>
+          <a:p>
+            <a:pPr marL="285750" indent="-285750">
+              <a:buFont typeface="Arial" panose="020B0604020202020204" pitchFamily="34" charset="0"/>
+              <a:buChar char="•"/>
+            </a:pPr>
+            <a:r>
+              <a:rPr lang="en-ZA">
+                <a:ea typeface="Source Sans Pro Light"/>
+              </a:rPr>
+              <a:t>Allowing the users to see their own score and the overall score of a book that has been rated</a:t>
+            </a:r>
+          </a:p>
+          <a:p>
+            <a:pPr marL="285750" indent="-285750">
+              <a:buFont typeface="Arial" panose="020B0604020202020204" pitchFamily="34" charset="0"/>
+              <a:buChar char="•"/>
+            </a:pPr>
+            <a:endParaRPr lang="en-ZA">
+              <a:ea typeface="Source Sans Pro Light"/>
+            </a:endParaRPr>
           </a:p>
         </p:txBody>
       </p:sp>
@@ -18707,107 +19188,6 @@
           </a:xfrm>
         </p:spPr>
       </p:pic>
-      <p:sp>
-        <p:nvSpPr>
-          <p:cNvPr id="3" name="Date Placeholder 2">
-            <a:extLst>
-              <a:ext uri="{FF2B5EF4-FFF2-40B4-BE49-F238E27FC236}">
-                <a16:creationId xmlns:a16="http://schemas.microsoft.com/office/drawing/2014/main" id="{7A6B1F78-3AFD-4744-92CF-5884B6690308}"/>
-              </a:ext>
-            </a:extLst>
-          </p:cNvPr>
-          <p:cNvSpPr>
-            <a:spLocks noGrp="1"/>
-          </p:cNvSpPr>
-          <p:nvPr>
-            <p:ph type="dt" sz="half" idx="10"/>
-          </p:nvPr>
-        </p:nvSpPr>
-        <p:spPr>
-          <a:xfrm>
-            <a:off x="838200" y="6356350"/>
-            <a:ext cx="1847850" cy="365125"/>
-          </a:xfrm>
-        </p:spPr>
-        <p:txBody>
-          <a:bodyPr/>
-          <a:lstStyle/>
-          <a:p>
-            <a:r>
-              <a:rPr lang="en-US" dirty="0"/>
-              <a:t>20XX</a:t>
-            </a:r>
-          </a:p>
-        </p:txBody>
-      </p:sp>
-      <p:sp>
-        <p:nvSpPr>
-          <p:cNvPr id="5" name="Footer Placeholder 4">
-            <a:extLst>
-              <a:ext uri="{FF2B5EF4-FFF2-40B4-BE49-F238E27FC236}">
-                <a16:creationId xmlns:a16="http://schemas.microsoft.com/office/drawing/2014/main" id="{43E6FD26-9BAD-4332-95C3-999491DA2919}"/>
-              </a:ext>
-            </a:extLst>
-          </p:cNvPr>
-          <p:cNvSpPr>
-            <a:spLocks noGrp="1"/>
-          </p:cNvSpPr>
-          <p:nvPr>
-            <p:ph type="ftr" sz="quarter" idx="11"/>
-          </p:nvPr>
-        </p:nvSpPr>
-        <p:spPr>
-          <a:xfrm>
-            <a:off x="6858000" y="6356350"/>
-            <a:ext cx="3448050" cy="365125"/>
-          </a:xfrm>
-        </p:spPr>
-        <p:txBody>
-          <a:bodyPr/>
-          <a:lstStyle/>
-          <a:p>
-            <a:r>
-              <a:rPr lang="en-US" dirty="0"/>
-              <a:t>Pitch deck title</a:t>
-            </a:r>
-          </a:p>
-        </p:txBody>
-      </p:sp>
-      <p:sp>
-        <p:nvSpPr>
-          <p:cNvPr id="6" name="Slide Number Placeholder 5">
-            <a:extLst>
-              <a:ext uri="{FF2B5EF4-FFF2-40B4-BE49-F238E27FC236}">
-                <a16:creationId xmlns:a16="http://schemas.microsoft.com/office/drawing/2014/main" id="{BD6091DD-F2E6-43D6-BD3D-FDB5B294D982}"/>
-              </a:ext>
-            </a:extLst>
-          </p:cNvPr>
-          <p:cNvSpPr>
-            <a:spLocks noGrp="1"/>
-          </p:cNvSpPr>
-          <p:nvPr>
-            <p:ph type="sldNum" sz="quarter" idx="12"/>
-          </p:nvPr>
-        </p:nvSpPr>
-        <p:spPr>
-          <a:xfrm>
-            <a:off x="10423398" y="6356350"/>
-            <a:ext cx="914400" cy="365125"/>
-          </a:xfrm>
-        </p:spPr>
-        <p:txBody>
-          <a:bodyPr/>
-          <a:lstStyle/>
-          <a:p>
-            <a:fld id="{B5CEABB6-07DC-46E8-9B57-56EC44A396E5}" type="slidenum">
-              <a:rPr lang="en-US" smtClean="0"/>
-              <a:pPr/>
-              <a:t>3</a:t>
-            </a:fld>
-            <a:endParaRPr lang="en-US" dirty="0"/>
-          </a:p>
-        </p:txBody>
-      </p:sp>
     </p:spTree>
     <p:extLst>
       <p:ext uri="{BB962C8B-B14F-4D97-AF65-F5344CB8AC3E}">
@@ -18865,7 +19245,7 @@
           <a:lstStyle/>
           <a:p>
             <a:r>
-              <a:rPr lang="en-US" dirty="0"/>
+              <a:rPr lang="en-US"/>
               <a:t>Hosted Sites </a:t>
             </a:r>
           </a:p>
@@ -18933,126 +19313,19 @@
           </a:bodyPr>
           <a:lstStyle/>
           <a:p>
-            <a:r>
-              <a:rPr lang="en-ZA" dirty="0"/>
-              <a:t>Cool and stylish product</a:t>
-            </a:r>
-          </a:p>
-          <a:p>
-            <a:r>
-              <a:rPr lang="en-ZA" noProof="1"/>
-              <a:t>Areas for community connections </a:t>
-            </a:r>
-          </a:p>
-          <a:p>
-            <a:r>
-              <a:rPr lang="en-ZA" noProof="1"/>
-              <a:t>Online store and market swap</a:t>
-            </a:r>
-          </a:p>
-          <a:p>
-            <a:endParaRPr lang="en-US" dirty="0"/>
-          </a:p>
-        </p:txBody>
-      </p:sp>
-      <p:sp>
-        <p:nvSpPr>
-          <p:cNvPr id="7" name="Date Placeholder 6">
-            <a:extLst>
-              <a:ext uri="{FF2B5EF4-FFF2-40B4-BE49-F238E27FC236}">
-                <a16:creationId xmlns:a16="http://schemas.microsoft.com/office/drawing/2014/main" id="{69D8B6D9-B727-44AB-9039-91773DFE2E18}"/>
-              </a:ext>
-            </a:extLst>
-          </p:cNvPr>
-          <p:cNvSpPr>
-            <a:spLocks noGrp="1"/>
-          </p:cNvSpPr>
-          <p:nvPr>
-            <p:ph type="dt" sz="half" idx="10"/>
-          </p:nvPr>
-        </p:nvSpPr>
-        <p:spPr>
-          <a:xfrm>
-            <a:off x="838200" y="6356350"/>
-            <a:ext cx="2743200" cy="365125"/>
-          </a:xfrm>
-        </p:spPr>
-        <p:txBody>
-          <a:bodyPr/>
-          <a:lstStyle/>
-          <a:p>
-            <a:r>
-              <a:rPr lang="en-US" dirty="0"/>
-              <a:t>20XX</a:t>
-            </a:r>
-          </a:p>
-        </p:txBody>
-      </p:sp>
-      <p:sp>
-        <p:nvSpPr>
-          <p:cNvPr id="8" name="Footer Placeholder 7">
-            <a:extLst>
-              <a:ext uri="{FF2B5EF4-FFF2-40B4-BE49-F238E27FC236}">
-                <a16:creationId xmlns:a16="http://schemas.microsoft.com/office/drawing/2014/main" id="{A3952661-D636-4FDB-9C08-C984DD2246D6}"/>
-              </a:ext>
-            </a:extLst>
-          </p:cNvPr>
-          <p:cNvSpPr>
-            <a:spLocks noGrp="1"/>
-          </p:cNvSpPr>
-          <p:nvPr>
-            <p:ph type="ftr" sz="quarter" idx="11"/>
-          </p:nvPr>
-        </p:nvSpPr>
-        <p:spPr>
-          <a:xfrm>
-            <a:off x="4038600" y="6356350"/>
-            <a:ext cx="4114800" cy="365125"/>
-          </a:xfrm>
-        </p:spPr>
-        <p:txBody>
-          <a:bodyPr/>
-          <a:lstStyle/>
-          <a:p>
-            <a:r>
-              <a:rPr lang="en-US" dirty="0"/>
-              <a:t>Pitch deck title</a:t>
-            </a:r>
-          </a:p>
-        </p:txBody>
-      </p:sp>
-      <p:sp>
-        <p:nvSpPr>
-          <p:cNvPr id="9" name="Slide Number Placeholder 8">
-            <a:extLst>
-              <a:ext uri="{FF2B5EF4-FFF2-40B4-BE49-F238E27FC236}">
-                <a16:creationId xmlns:a16="http://schemas.microsoft.com/office/drawing/2014/main" id="{B6A43E77-83FF-4D98-9F98-E567BE6C70D4}"/>
-              </a:ext>
-            </a:extLst>
-          </p:cNvPr>
-          <p:cNvSpPr>
-            <a:spLocks noGrp="1"/>
-          </p:cNvSpPr>
-          <p:nvPr>
-            <p:ph type="sldNum" sz="quarter" idx="12"/>
-          </p:nvPr>
-        </p:nvSpPr>
-        <p:spPr>
-          <a:xfrm>
-            <a:off x="8610600" y="6356350"/>
-            <a:ext cx="2743200" cy="365125"/>
-          </a:xfrm>
-        </p:spPr>
-        <p:txBody>
-          <a:bodyPr/>
-          <a:lstStyle/>
-          <a:p>
-            <a:fld id="{B5CEABB6-07DC-46E8-9B57-56EC44A396E5}" type="slidenum">
-              <a:rPr lang="en-US" smtClean="0"/>
-              <a:pPr/>
-              <a:t>4</a:t>
-            </a:fld>
-            <a:endParaRPr lang="en-US" dirty="0"/>
+            <a:endParaRPr lang="en-ZA"/>
+          </a:p>
+          <a:p>
+            <a:r>
+              <a:rPr lang="en-US">
+                <a:ea typeface="+mj-lt"/>
+                <a:cs typeface="+mj-lt"/>
+              </a:rPr>
+              <a:t>softwarebooklist-test.azurewebsites.net</a:t>
+            </a:r>
+          </a:p>
+          <a:p>
+            <a:endParaRPr lang="en-US"/>
           </a:p>
         </p:txBody>
       </p:sp>
@@ -19881,15 +20154,6 @@
 </file>
 
 <file path=customXml/item2.xml><?xml version="1.0" encoding="utf-8"?>
-<?mso-contentType ?>
-<FormTemplates xmlns="http://schemas.microsoft.com/sharepoint/v3/contenttype/forms">
-  <Display>DocumentLibraryForm</Display>
-  <Edit>DocumentLibraryForm</Edit>
-  <New>DocumentLibraryForm</New>
-</FormTemplates>
-</file>
-
-<file path=customXml/item3.xml><?xml version="1.0" encoding="utf-8"?>
 <ct:contentTypeSchema xmlns:ct="http://schemas.microsoft.com/office/2006/metadata/contentType" xmlns:ma="http://schemas.microsoft.com/office/2006/metadata/properties/metaAttributes" ct:_="" ma:_="" ma:contentTypeName="Document" ma:contentTypeID="0x01010079F111ED35F8CC479449609E8A0923A6" ma:contentTypeVersion="27" ma:contentTypeDescription="Create a new document." ma:contentTypeScope="" ma:versionID="c6f9a84f66a9c8b9a21755b9ffafb945">
   <xsd:schema xmlns:xsd="http://www.w3.org/2001/XMLSchema" xmlns:xs="http://www.w3.org/2001/XMLSchema" xmlns:p="http://schemas.microsoft.com/office/2006/metadata/properties" xmlns:ns1="http://schemas.microsoft.com/sharepoint/v3" xmlns:ns2="71af3243-3dd4-4a8d-8c0d-dd76da1f02a5" xmlns:ns3="16c05727-aa75-4e4a-9b5f-8a80a1165891" xmlns:ns4="230e9df3-be65-4c73-a93b-d1236ebd677e" targetNamespace="http://schemas.microsoft.com/office/2006/metadata/properties" ma:root="true" ma:fieldsID="27df39e3e7036dff54f89ddd5805ce72" ns1:_="" ns2:_="" ns3:_="" ns4:_="">
     <xsd:import namespace="http://schemas.microsoft.com/sharepoint/v3"/>
@@ -20195,19 +20459,49 @@
 </ct:contentTypeSchema>
 </file>
 
+<file path=customXml/item3.xml><?xml version="1.0" encoding="utf-8"?>
+<?mso-contentType ?>
+<FormTemplates xmlns="http://schemas.microsoft.com/sharepoint/v3/contenttype/forms">
+  <Display>DocumentLibraryForm</Display>
+  <Edit>DocumentLibraryForm</Edit>
+  <New>DocumentLibraryForm</New>
+</FormTemplates>
+</file>
+
 <file path=customXml/itemProps1.xml><?xml version="1.0" encoding="utf-8"?>
 <ds:datastoreItem xmlns:ds="http://schemas.openxmlformats.org/officeDocument/2006/customXml" ds:itemID="{DBE6AE0A-D4B0-4A5B-9359-3C20E0AE6F61}">
   <ds:schemaRefs>
+    <ds:schemaRef ds:uri="230e9df3-be65-4c73-a93b-d1236ebd677e"/>
+    <ds:schemaRef ds:uri="71af3243-3dd4-4a8d-8c0d-dd76da1f02a5"/>
     <ds:schemaRef ds:uri="http://schemas.microsoft.com/office/2006/metadata/properties"/>
     <ds:schemaRef ds:uri="http://schemas.microsoft.com/office/infopath/2007/PartnerControls"/>
-    <ds:schemaRef ds:uri="71af3243-3dd4-4a8d-8c0d-dd76da1f02a5"/>
     <ds:schemaRef ds:uri="http://schemas.microsoft.com/sharepoint/v3"/>
-    <ds:schemaRef ds:uri="230e9df3-be65-4c73-a93b-d1236ebd677e"/>
   </ds:schemaRefs>
 </ds:datastoreItem>
 </file>
 
 <file path=customXml/itemProps2.xml><?xml version="1.0" encoding="utf-8"?>
+<ds:datastoreItem xmlns:ds="http://schemas.openxmlformats.org/officeDocument/2006/customXml" ds:itemID="{B935DE4F-C654-46B5-9D7A-C349B80D26B7}">
+  <ds:schemaRefs>
+    <ds:schemaRef ds:uri="16c05727-aa75-4e4a-9b5f-8a80a1165891"/>
+    <ds:schemaRef ds:uri="230e9df3-be65-4c73-a93b-d1236ebd677e"/>
+    <ds:schemaRef ds:uri="71af3243-3dd4-4a8d-8c0d-dd76da1f02a5"/>
+    <ds:schemaRef ds:uri="http://purl.org/dc/elements/1.1/"/>
+    <ds:schemaRef ds:uri="http://purl.org/dc/terms/"/>
+    <ds:schemaRef ds:uri="http://schemas.microsoft.com/internal/obd"/>
+    <ds:schemaRef ds:uri="http://schemas.microsoft.com/office/2006/documentManagement/types"/>
+    <ds:schemaRef ds:uri="http://schemas.microsoft.com/office/2006/metadata/contentType"/>
+    <ds:schemaRef ds:uri="http://schemas.microsoft.com/office/2006/metadata/properties"/>
+    <ds:schemaRef ds:uri="http://schemas.microsoft.com/office/2006/metadata/properties/metaAttributes"/>
+    <ds:schemaRef ds:uri="http://schemas.microsoft.com/office/infopath/2007/PartnerControls"/>
+    <ds:schemaRef ds:uri="http://schemas.microsoft.com/sharepoint/v3"/>
+    <ds:schemaRef ds:uri="http://schemas.openxmlformats.org/package/2006/metadata/core-properties"/>
+    <ds:schemaRef ds:uri="http://www.w3.org/2001/XMLSchema"/>
+  </ds:schemaRefs>
+</ds:datastoreItem>
+</file>
+
+<file path=customXml/itemProps3.xml><?xml version="1.0" encoding="utf-8"?>
 <ds:datastoreItem xmlns:ds="http://schemas.openxmlformats.org/officeDocument/2006/customXml" ds:itemID="{E0C88140-B977-44ED-8877-83D5BCE76393}">
   <ds:schemaRefs>
     <ds:schemaRef ds:uri="http://schemas.microsoft.com/sharepoint/v3/contenttype/forms"/>
@@ -20215,27 +20509,6 @@
 </ds:datastoreItem>
 </file>
 
-<file path=customXml/itemProps3.xml><?xml version="1.0" encoding="utf-8"?>
-<ds:datastoreItem xmlns:ds="http://schemas.openxmlformats.org/officeDocument/2006/customXml" ds:itemID="{B935DE4F-C654-46B5-9D7A-C349B80D26B7}">
-  <ds:schemaRefs>
-    <ds:schemaRef ds:uri="http://schemas.microsoft.com/office/2006/metadata/contentType"/>
-    <ds:schemaRef ds:uri="http://schemas.microsoft.com/office/2006/metadata/properties/metaAttributes"/>
-    <ds:schemaRef ds:uri="http://www.w3.org/2001/XMLSchema"/>
-    <ds:schemaRef ds:uri="http://schemas.microsoft.com/office/2006/metadata/properties"/>
-    <ds:schemaRef ds:uri="http://schemas.microsoft.com/sharepoint/v3"/>
-    <ds:schemaRef ds:uri="71af3243-3dd4-4a8d-8c0d-dd76da1f02a5"/>
-    <ds:schemaRef ds:uri="16c05727-aa75-4e4a-9b5f-8a80a1165891"/>
-    <ds:schemaRef ds:uri="230e9df3-be65-4c73-a93b-d1236ebd677e"/>
-    <ds:schemaRef ds:uri="http://schemas.microsoft.com/office/2006/documentManagement/types"/>
-    <ds:schemaRef ds:uri="http://schemas.microsoft.com/office/infopath/2007/PartnerControls"/>
-    <ds:schemaRef ds:uri="http://schemas.openxmlformats.org/package/2006/metadata/core-properties"/>
-    <ds:schemaRef ds:uri="http://purl.org/dc/elements/1.1/"/>
-    <ds:schemaRef ds:uri="http://purl.org/dc/terms/"/>
-    <ds:schemaRef ds:uri="http://schemas.microsoft.com/internal/obd"/>
-  </ds:schemaRefs>
-</ds:datastoreItem>
-</file>
-
 <file path=docMetadata/LabelInfo.xml><?xml version="1.0" encoding="utf-8"?>
 <clbl:labelList xmlns:clbl="http://schemas.microsoft.com/office/2020/mipLabelMetadata"/>
 </file>